--- a/第一次提交物-未命名小组/第1次汇报-未命名小组.pptx
+++ b/第一次提交物-未命名小组/第1次汇报-未命名小组.pptx
@@ -23,12 +23,16 @@
     <p:sldId id="272" r:id="rId17"/>
     <p:sldId id="273" r:id="rId18"/>
     <p:sldId id="268" r:id="rId19"/>
-    <p:sldId id="274" r:id="rId20"/>
-    <p:sldId id="275" r:id="rId21"/>
-    <p:sldId id="276" r:id="rId22"/>
-    <p:sldId id="277" r:id="rId23"/>
-    <p:sldId id="278" r:id="rId24"/>
-    <p:sldId id="279" r:id="rId25"/>
+    <p:sldId id="281" r:id="rId20"/>
+    <p:sldId id="282" r:id="rId21"/>
+    <p:sldId id="284" r:id="rId22"/>
+    <p:sldId id="274" r:id="rId23"/>
+    <p:sldId id="283" r:id="rId24"/>
+    <p:sldId id="275" r:id="rId25"/>
+    <p:sldId id="276" r:id="rId26"/>
+    <p:sldId id="277" r:id="rId27"/>
+    <p:sldId id="278" r:id="rId28"/>
+    <p:sldId id="279" r:id="rId29"/>
   </p:sldIdLst>
   <p:sldSz cx="12192000" cy="6858000"/>
   <p:notesSz cx="6858000" cy="9144000"/>
@@ -227,7 +231,9 @@
           </c:tx>
           <c:spPr>
             <a:solidFill>
-              <a:schemeClr val="accent1"/>
+              <a:schemeClr val="bg2">
+                <a:lumMod val="50000"/>
+              </a:schemeClr>
             </a:solidFill>
             <a:ln>
               <a:noFill/>
@@ -288,6 +294,28 @@
             <a:effectLst/>
           </c:spPr>
           <c:invertIfNegative val="0"/>
+          <c:dPt>
+            <c:idx val="0"/>
+            <c:invertIfNegative val="0"/>
+            <c:bubble3D val="0"/>
+            <c:spPr>
+              <a:solidFill>
+                <a:schemeClr val="accent1">
+                  <a:lumMod val="60000"/>
+                  <a:lumOff val="40000"/>
+                </a:schemeClr>
+              </a:solidFill>
+              <a:ln>
+                <a:noFill/>
+              </a:ln>
+              <a:effectLst/>
+            </c:spPr>
+            <c:extLst>
+              <c:ext xmlns:c16="http://schemas.microsoft.com/office/drawing/2014/chart" uri="{C3380CC4-5D6E-409C-BE32-E72D297353CC}">
+                <c16:uniqueId val="{00000000-E744-4335-A601-32CF932F3084}"/>
+              </c:ext>
+            </c:extLst>
+          </c:dPt>
           <c:cat>
             <c:strRef>
               <c:f>Sheet1!$A$2</c:f>
@@ -12989,234 +13017,255 @@
           </a:p>
         </p:txBody>
       </p:sp>
-      <p:sp>
-        <p:nvSpPr>
-          <p:cNvPr id="5" name="椭圆 4">
-            <a:extLst>
-              <a:ext uri="{FF2B5EF4-FFF2-40B4-BE49-F238E27FC236}">
-                <a16:creationId xmlns:a16="http://schemas.microsoft.com/office/drawing/2014/main" id="{3897445D-D6C0-437A-8F4F-B2B958EB22C7}"/>
-              </a:ext>
-            </a:extLst>
-          </p:cNvPr>
-          <p:cNvSpPr/>
-          <p:nvPr/>
-        </p:nvSpPr>
-        <p:spPr>
+      <p:grpSp>
+        <p:nvGrpSpPr>
+          <p:cNvPr id="4" name="组合 3">
+            <a:extLst>
+              <a:ext uri="{FF2B5EF4-FFF2-40B4-BE49-F238E27FC236}">
+                <a16:creationId xmlns:a16="http://schemas.microsoft.com/office/drawing/2014/main" id="{11517350-C54C-4E29-832D-22BB688CCFD1}"/>
+              </a:ext>
+            </a:extLst>
+          </p:cNvPr>
+          <p:cNvGrpSpPr/>
+          <p:nvPr/>
+        </p:nvGrpSpPr>
+        <p:grpSpPr>
           <a:xfrm>
             <a:off x="0" y="0"/>
             <a:ext cx="4122058" cy="4122058"/>
-          </a:xfrm>
-          <a:prstGeom prst="ellipse">
-            <a:avLst/>
-          </a:prstGeom>
-          <a:noFill/>
-          <a:ln>
-            <a:solidFill>
-              <a:srgbClr val="525252">
-                <a:alpha val="30000"/>
-              </a:srgbClr>
-            </a:solidFill>
-          </a:ln>
-        </p:spPr>
-        <p:style>
-          <a:lnRef idx="2">
-            <a:schemeClr val="accent1">
-              <a:shade val="50000"/>
-            </a:schemeClr>
-          </a:lnRef>
-          <a:fillRef idx="1">
-            <a:schemeClr val="accent1"/>
-          </a:fillRef>
-          <a:effectRef idx="0">
-            <a:schemeClr val="accent1"/>
-          </a:effectRef>
-          <a:fontRef idx="minor">
-            <a:schemeClr val="lt1"/>
-          </a:fontRef>
-        </p:style>
-        <p:txBody>
-          <a:bodyPr rtlCol="0" anchor="ctr"/>
-          <a:lstStyle/>
-          <a:p>
-            <a:pPr algn="ctr"/>
-            <a:endParaRPr lang="zh-CN" altLang="en-US">
-              <a:latin typeface="Arial"/>
-              <a:ea typeface="微软雅黑"/>
-              <a:sym typeface="Arial"/>
-            </a:endParaRPr>
-          </a:p>
-        </p:txBody>
-      </p:sp>
-      <p:sp>
-        <p:nvSpPr>
-          <p:cNvPr id="7" name="椭圆 6">
-            <a:extLst>
-              <a:ext uri="{FF2B5EF4-FFF2-40B4-BE49-F238E27FC236}">
-                <a16:creationId xmlns:a16="http://schemas.microsoft.com/office/drawing/2014/main" id="{78671FF2-617E-41D7-98BA-A2E6854E1672}"/>
-              </a:ext>
-            </a:extLst>
-          </p:cNvPr>
-          <p:cNvSpPr/>
-          <p:nvPr/>
-        </p:nvSpPr>
-        <p:spPr>
-          <a:xfrm>
-            <a:off x="549324" y="549324"/>
-            <a:ext cx="3023410" cy="3023410"/>
-          </a:xfrm>
-          <a:prstGeom prst="ellipse">
-            <a:avLst/>
-          </a:prstGeom>
-          <a:noFill/>
-          <a:ln>
-            <a:solidFill>
-              <a:srgbClr val="525252">
-                <a:alpha val="65000"/>
-              </a:srgbClr>
-            </a:solidFill>
-          </a:ln>
-        </p:spPr>
-        <p:style>
-          <a:lnRef idx="2">
-            <a:schemeClr val="accent1">
-              <a:shade val="50000"/>
-            </a:schemeClr>
-          </a:lnRef>
-          <a:fillRef idx="1">
-            <a:schemeClr val="accent1"/>
-          </a:fillRef>
-          <a:effectRef idx="0">
-            <a:schemeClr val="accent1"/>
-          </a:effectRef>
-          <a:fontRef idx="minor">
-            <a:schemeClr val="lt1"/>
-          </a:fontRef>
-        </p:style>
-        <p:txBody>
-          <a:bodyPr rtlCol="0" anchor="ctr"/>
-          <a:lstStyle/>
-          <a:p>
-            <a:pPr algn="ctr"/>
-            <a:endParaRPr lang="zh-CN" altLang="en-US">
-              <a:latin typeface="Arial"/>
-              <a:ea typeface="微软雅黑"/>
-              <a:sym typeface="Arial"/>
-            </a:endParaRPr>
-          </a:p>
-        </p:txBody>
-      </p:sp>
-      <p:sp>
-        <p:nvSpPr>
-          <p:cNvPr id="13" name="椭圆 12">
-            <a:extLst>
-              <a:ext uri="{FF2B5EF4-FFF2-40B4-BE49-F238E27FC236}">
-                <a16:creationId xmlns:a16="http://schemas.microsoft.com/office/drawing/2014/main" id="{9BE5E141-18E6-4D37-9CAE-F62989AC56CB}"/>
-              </a:ext>
-            </a:extLst>
-          </p:cNvPr>
-          <p:cNvSpPr/>
-          <p:nvPr/>
-        </p:nvSpPr>
-        <p:spPr>
-          <a:xfrm>
-            <a:off x="2627715" y="2772640"/>
-            <a:ext cx="319314" cy="319314"/>
-          </a:xfrm>
-          <a:prstGeom prst="ellipse">
-            <a:avLst/>
-          </a:prstGeom>
-          <a:solidFill>
-            <a:srgbClr val="F36460"/>
-          </a:solidFill>
-          <a:ln>
+            <a:chOff x="0" y="0"/>
+            <a:chExt cx="4122058" cy="4122058"/>
+          </a:xfrm>
+        </p:grpSpPr>
+        <p:sp>
+          <p:nvSpPr>
+            <p:cNvPr id="5" name="椭圆 4">
+              <a:extLst>
+                <a:ext uri="{FF2B5EF4-FFF2-40B4-BE49-F238E27FC236}">
+                  <a16:creationId xmlns:a16="http://schemas.microsoft.com/office/drawing/2014/main" id="{3897445D-D6C0-437A-8F4F-B2B958EB22C7}"/>
+                </a:ext>
+              </a:extLst>
+            </p:cNvPr>
+            <p:cNvSpPr/>
+            <p:nvPr/>
+          </p:nvSpPr>
+          <p:spPr>
+            <a:xfrm>
+              <a:off x="0" y="0"/>
+              <a:ext cx="4122058" cy="4122058"/>
+            </a:xfrm>
+            <a:prstGeom prst="ellipse">
+              <a:avLst/>
+            </a:prstGeom>
             <a:noFill/>
-          </a:ln>
-        </p:spPr>
-        <p:style>
-          <a:lnRef idx="2">
-            <a:schemeClr val="accent1">
-              <a:shade val="50000"/>
-            </a:schemeClr>
-          </a:lnRef>
-          <a:fillRef idx="1">
-            <a:schemeClr val="accent1"/>
-          </a:fillRef>
-          <a:effectRef idx="0">
-            <a:schemeClr val="accent1"/>
-          </a:effectRef>
-          <a:fontRef idx="minor">
-            <a:schemeClr val="lt1"/>
-          </a:fontRef>
-        </p:style>
-        <p:txBody>
-          <a:bodyPr rtlCol="0" anchor="ctr"/>
-          <a:lstStyle/>
-          <a:p>
-            <a:pPr algn="ctr"/>
-            <a:endParaRPr lang="zh-CN" altLang="en-US">
-              <a:latin typeface="Arial"/>
-              <a:ea typeface="微软雅黑"/>
-              <a:sym typeface="Arial"/>
-            </a:endParaRPr>
-          </a:p>
-        </p:txBody>
-      </p:sp>
-      <p:sp>
-        <p:nvSpPr>
-          <p:cNvPr id="15" name="椭圆 14">
-            <a:extLst>
-              <a:ext uri="{FF2B5EF4-FFF2-40B4-BE49-F238E27FC236}">
-                <a16:creationId xmlns:a16="http://schemas.microsoft.com/office/drawing/2014/main" id="{7CC73D0D-4D00-4A23-8881-1116D46F935A}"/>
-              </a:ext>
-            </a:extLst>
-          </p:cNvPr>
-          <p:cNvSpPr/>
-          <p:nvPr/>
-        </p:nvSpPr>
-        <p:spPr>
-          <a:xfrm>
-            <a:off x="1283424" y="961558"/>
-            <a:ext cx="319314" cy="319314"/>
-          </a:xfrm>
-          <a:prstGeom prst="ellipse">
-            <a:avLst/>
-          </a:prstGeom>
-          <a:solidFill>
-            <a:srgbClr val="525252"/>
-          </a:solidFill>
-          <a:ln>
+            <a:ln>
+              <a:solidFill>
+                <a:srgbClr val="525252">
+                  <a:alpha val="30000"/>
+                </a:srgbClr>
+              </a:solidFill>
+            </a:ln>
+          </p:spPr>
+          <p:style>
+            <a:lnRef idx="2">
+              <a:schemeClr val="accent1">
+                <a:shade val="50000"/>
+              </a:schemeClr>
+            </a:lnRef>
+            <a:fillRef idx="1">
+              <a:schemeClr val="accent1"/>
+            </a:fillRef>
+            <a:effectRef idx="0">
+              <a:schemeClr val="accent1"/>
+            </a:effectRef>
+            <a:fontRef idx="minor">
+              <a:schemeClr val="lt1"/>
+            </a:fontRef>
+          </p:style>
+          <p:txBody>
+            <a:bodyPr rtlCol="0" anchor="ctr"/>
+            <a:lstStyle/>
+            <a:p>
+              <a:pPr algn="ctr"/>
+              <a:endParaRPr lang="zh-CN" altLang="en-US">
+                <a:latin typeface="Arial"/>
+                <a:ea typeface="微软雅黑"/>
+                <a:sym typeface="Arial"/>
+              </a:endParaRPr>
+            </a:p>
+          </p:txBody>
+        </p:sp>
+        <p:sp>
+          <p:nvSpPr>
+            <p:cNvPr id="7" name="椭圆 6">
+              <a:extLst>
+                <a:ext uri="{FF2B5EF4-FFF2-40B4-BE49-F238E27FC236}">
+                  <a16:creationId xmlns:a16="http://schemas.microsoft.com/office/drawing/2014/main" id="{78671FF2-617E-41D7-98BA-A2E6854E1672}"/>
+                </a:ext>
+              </a:extLst>
+            </p:cNvPr>
+            <p:cNvSpPr/>
+            <p:nvPr/>
+          </p:nvSpPr>
+          <p:spPr>
+            <a:xfrm>
+              <a:off x="549324" y="549324"/>
+              <a:ext cx="3023410" cy="3023410"/>
+            </a:xfrm>
+            <a:prstGeom prst="ellipse">
+              <a:avLst/>
+            </a:prstGeom>
             <a:noFill/>
-          </a:ln>
-        </p:spPr>
-        <p:style>
-          <a:lnRef idx="2">
-            <a:schemeClr val="accent1">
-              <a:shade val="50000"/>
-            </a:schemeClr>
-          </a:lnRef>
-          <a:fillRef idx="1">
-            <a:schemeClr val="accent1"/>
-          </a:fillRef>
-          <a:effectRef idx="0">
-            <a:schemeClr val="accent1"/>
-          </a:effectRef>
-          <a:fontRef idx="minor">
-            <a:schemeClr val="lt1"/>
-          </a:fontRef>
-        </p:style>
-        <p:txBody>
-          <a:bodyPr rtlCol="0" anchor="ctr"/>
-          <a:lstStyle/>
-          <a:p>
-            <a:pPr algn="ctr"/>
-            <a:endParaRPr lang="zh-CN" altLang="en-US">
-              <a:latin typeface="Arial"/>
-              <a:ea typeface="微软雅黑"/>
-              <a:sym typeface="Arial"/>
-            </a:endParaRPr>
-          </a:p>
-        </p:txBody>
-      </p:sp>
+            <a:ln>
+              <a:solidFill>
+                <a:srgbClr val="525252">
+                  <a:alpha val="65000"/>
+                </a:srgbClr>
+              </a:solidFill>
+            </a:ln>
+          </p:spPr>
+          <p:style>
+            <a:lnRef idx="2">
+              <a:schemeClr val="accent1">
+                <a:shade val="50000"/>
+              </a:schemeClr>
+            </a:lnRef>
+            <a:fillRef idx="1">
+              <a:schemeClr val="accent1"/>
+            </a:fillRef>
+            <a:effectRef idx="0">
+              <a:schemeClr val="accent1"/>
+            </a:effectRef>
+            <a:fontRef idx="minor">
+              <a:schemeClr val="lt1"/>
+            </a:fontRef>
+          </p:style>
+          <p:txBody>
+            <a:bodyPr rtlCol="0" anchor="ctr"/>
+            <a:lstStyle/>
+            <a:p>
+              <a:pPr algn="ctr"/>
+              <a:endParaRPr lang="zh-CN" altLang="en-US">
+                <a:latin typeface="Arial"/>
+                <a:ea typeface="微软雅黑"/>
+                <a:sym typeface="Arial"/>
+              </a:endParaRPr>
+            </a:p>
+          </p:txBody>
+        </p:sp>
+        <p:sp>
+          <p:nvSpPr>
+            <p:cNvPr id="13" name="椭圆 12">
+              <a:extLst>
+                <a:ext uri="{FF2B5EF4-FFF2-40B4-BE49-F238E27FC236}">
+                  <a16:creationId xmlns:a16="http://schemas.microsoft.com/office/drawing/2014/main" id="{9BE5E141-18E6-4D37-9CAE-F62989AC56CB}"/>
+                </a:ext>
+              </a:extLst>
+            </p:cNvPr>
+            <p:cNvSpPr/>
+            <p:nvPr/>
+          </p:nvSpPr>
+          <p:spPr>
+            <a:xfrm>
+              <a:off x="2627715" y="2772640"/>
+              <a:ext cx="319314" cy="319314"/>
+            </a:xfrm>
+            <a:prstGeom prst="ellipse">
+              <a:avLst/>
+            </a:prstGeom>
+            <a:solidFill>
+              <a:srgbClr val="F36460"/>
+            </a:solidFill>
+            <a:ln>
+              <a:noFill/>
+            </a:ln>
+          </p:spPr>
+          <p:style>
+            <a:lnRef idx="2">
+              <a:schemeClr val="accent1">
+                <a:shade val="50000"/>
+              </a:schemeClr>
+            </a:lnRef>
+            <a:fillRef idx="1">
+              <a:schemeClr val="accent1"/>
+            </a:fillRef>
+            <a:effectRef idx="0">
+              <a:schemeClr val="accent1"/>
+            </a:effectRef>
+            <a:fontRef idx="minor">
+              <a:schemeClr val="lt1"/>
+            </a:fontRef>
+          </p:style>
+          <p:txBody>
+            <a:bodyPr rtlCol="0" anchor="ctr"/>
+            <a:lstStyle/>
+            <a:p>
+              <a:pPr algn="ctr"/>
+              <a:endParaRPr lang="zh-CN" altLang="en-US">
+                <a:latin typeface="Arial"/>
+                <a:ea typeface="微软雅黑"/>
+                <a:sym typeface="Arial"/>
+              </a:endParaRPr>
+            </a:p>
+          </p:txBody>
+        </p:sp>
+        <p:sp>
+          <p:nvSpPr>
+            <p:cNvPr id="15" name="椭圆 14">
+              <a:extLst>
+                <a:ext uri="{FF2B5EF4-FFF2-40B4-BE49-F238E27FC236}">
+                  <a16:creationId xmlns:a16="http://schemas.microsoft.com/office/drawing/2014/main" id="{7CC73D0D-4D00-4A23-8881-1116D46F935A}"/>
+                </a:ext>
+              </a:extLst>
+            </p:cNvPr>
+            <p:cNvSpPr/>
+            <p:nvPr/>
+          </p:nvSpPr>
+          <p:spPr>
+            <a:xfrm>
+              <a:off x="1283424" y="961558"/>
+              <a:ext cx="319314" cy="319314"/>
+            </a:xfrm>
+            <a:prstGeom prst="ellipse">
+              <a:avLst/>
+            </a:prstGeom>
+            <a:solidFill>
+              <a:srgbClr val="525252"/>
+            </a:solidFill>
+            <a:ln>
+              <a:noFill/>
+            </a:ln>
+          </p:spPr>
+          <p:style>
+            <a:lnRef idx="2">
+              <a:schemeClr val="accent1">
+                <a:shade val="50000"/>
+              </a:schemeClr>
+            </a:lnRef>
+            <a:fillRef idx="1">
+              <a:schemeClr val="accent1"/>
+            </a:fillRef>
+            <a:effectRef idx="0">
+              <a:schemeClr val="accent1"/>
+            </a:effectRef>
+            <a:fontRef idx="minor">
+              <a:schemeClr val="lt1"/>
+            </a:fontRef>
+          </p:style>
+          <p:txBody>
+            <a:bodyPr rtlCol="0" anchor="ctr"/>
+            <a:lstStyle/>
+            <a:p>
+              <a:pPr algn="ctr"/>
+              <a:endParaRPr lang="zh-CN" altLang="en-US">
+                <a:latin typeface="Arial"/>
+                <a:ea typeface="微软雅黑"/>
+                <a:sym typeface="Arial"/>
+              </a:endParaRPr>
+            </a:p>
+          </p:txBody>
+        </p:sp>
+      </p:grpSp>
       <p:sp>
         <p:nvSpPr>
           <p:cNvPr id="16" name="灯片编号占位符 14">
@@ -13287,6 +13336,91 @@
           </a:p>
         </p:txBody>
       </p:sp>
+      <p:sp>
+        <p:nvSpPr>
+          <p:cNvPr id="2" name="文本框 1">
+            <a:extLst>
+              <a:ext uri="{FF2B5EF4-FFF2-40B4-BE49-F238E27FC236}">
+                <a16:creationId xmlns:a16="http://schemas.microsoft.com/office/drawing/2014/main" id="{BB1F65C3-E9DC-43F6-B841-6D986783298B}"/>
+              </a:ext>
+            </a:extLst>
+          </p:cNvPr>
+          <p:cNvSpPr txBox="1"/>
+          <p:nvPr/>
+        </p:nvSpPr>
+        <p:spPr>
+          <a:xfrm>
+            <a:off x="4456102" y="2866539"/>
+            <a:ext cx="5513521" cy="1653273"/>
+          </a:xfrm>
+          <a:prstGeom prst="rect">
+            <a:avLst/>
+          </a:prstGeom>
+          <a:noFill/>
+        </p:spPr>
+        <p:txBody>
+          <a:bodyPr wrap="square" rtlCol="0">
+            <a:spAutoFit/>
+          </a:bodyPr>
+          <a:lstStyle/>
+          <a:p>
+            <a:pPr marL="285750" indent="-285750" algn="just">
+              <a:lnSpc>
+                <a:spcPct val="130000"/>
+              </a:lnSpc>
+              <a:buFont typeface="Arial" panose="020B0604020202020204" pitchFamily="34" charset="0"/>
+              <a:buChar char="•"/>
+            </a:pPr>
+            <a:r>
+              <a:rPr lang="zh-CN" altLang="en-US" sz="2000" dirty="0">
+                <a:solidFill>
+                  <a:srgbClr val="525252"/>
+                </a:solidFill>
+                <a:latin typeface="Arial"/>
+                <a:ea typeface="微软雅黑"/>
+                <a:sym typeface="Arial"/>
+              </a:rPr>
+              <a:t>本组采用项目管理工具指导项目进度、如有需要调整进度的项目管理办法</a:t>
+            </a:r>
+            <a:endParaRPr lang="en-US" altLang="zh-CN" sz="2000" dirty="0">
+              <a:solidFill>
+                <a:srgbClr val="525252"/>
+              </a:solidFill>
+              <a:latin typeface="Arial"/>
+              <a:ea typeface="微软雅黑"/>
+              <a:sym typeface="Arial"/>
+            </a:endParaRPr>
+          </a:p>
+          <a:p>
+            <a:pPr marL="285750" indent="-285750" algn="just">
+              <a:lnSpc>
+                <a:spcPct val="130000"/>
+              </a:lnSpc>
+              <a:buFont typeface="Arial" panose="020B0604020202020204" pitchFamily="34" charset="0"/>
+              <a:buChar char="•"/>
+            </a:pPr>
+            <a:r>
+              <a:rPr lang="zh-CN" altLang="en-US" sz="2000" dirty="0">
+                <a:solidFill>
+                  <a:srgbClr val="525252"/>
+                </a:solidFill>
+                <a:latin typeface="Arial"/>
+                <a:ea typeface="微软雅黑"/>
+                <a:sym typeface="Arial"/>
+              </a:rPr>
+              <a:t>并应用了量化管理的方法，使每一项任务和负责人一一对应</a:t>
+            </a:r>
+            <a:endParaRPr lang="en-US" altLang="zh-CN" sz="2000" dirty="0">
+              <a:solidFill>
+                <a:srgbClr val="525252"/>
+              </a:solidFill>
+              <a:latin typeface="Arial"/>
+              <a:ea typeface="微软雅黑"/>
+              <a:sym typeface="Arial"/>
+            </a:endParaRPr>
+          </a:p>
+        </p:txBody>
+      </p:sp>
     </p:spTree>
     <p:extLst>
       <p:ext uri="{BB962C8B-B14F-4D97-AF65-F5344CB8AC3E}">
@@ -13334,7 +13468,7 @@
         </p:nvSpPr>
         <p:spPr>
           <a:xfrm>
-            <a:off x="887278" y="648580"/>
+            <a:off x="967177" y="1830196"/>
             <a:ext cx="3045530" cy="461665"/>
           </a:xfrm>
           <a:prstGeom prst="rect">
@@ -13443,8 +13577,8 @@
         </p:nvSpPr>
         <p:spPr>
           <a:xfrm>
-            <a:off x="887278" y="1421020"/>
-            <a:ext cx="9961697" cy="1253164"/>
+            <a:off x="967177" y="3739503"/>
+            <a:ext cx="9961697" cy="1653273"/>
           </a:xfrm>
           <a:prstGeom prst="rect">
             <a:avLst/>
@@ -13476,15 +13610,24 @@
               <a:t>我们使用</a:t>
             </a:r>
             <a:r>
-              <a:rPr lang="en-US" altLang="zh-CN" sz="2000" dirty="0" err="1">
+              <a:rPr lang="en-US" altLang="zh-CN" sz="2000" b="0" i="0" dirty="0">
                 <a:solidFill>
-                  <a:srgbClr val="525252"/>
+                  <a:srgbClr val="666666"/>
                 </a:solidFill>
-                <a:latin typeface="Arial"/>
-                <a:ea typeface="微软雅黑"/>
-                <a:sym typeface="Arial"/>
+                <a:effectLst/>
+                <a:latin typeface="Arial" panose="020B0604020202020204" pitchFamily="34" charset="0"/>
               </a:rPr>
-              <a:t>Github</a:t>
+              <a:t>Microsoft </a:t>
+            </a:r>
+            <a:r>
+              <a:rPr lang="en-US" altLang="zh-CN" sz="2000" b="0" i="0" dirty="0">
+                <a:solidFill>
+                  <a:srgbClr val="767676"/>
+                </a:solidFill>
+                <a:effectLst/>
+                <a:latin typeface="Arial" panose="020B0604020202020204" pitchFamily="34" charset="0"/>
+              </a:rPr>
+              <a:t>Project</a:t>
             </a:r>
             <a:r>
               <a:rPr lang="zh-CN" altLang="en-US" sz="2000" dirty="0">
@@ -13523,10 +13666,10 @@
                 <a:ea typeface="微软雅黑"/>
                 <a:sym typeface="Arial"/>
               </a:rPr>
-              <a:t>我们的</a:t>
+              <a:t>同时我们使用</a:t>
             </a:r>
             <a:r>
-              <a:rPr lang="en-US" altLang="zh-CN" sz="2000" dirty="0" err="1">
+              <a:rPr lang="en-US" altLang="zh-CN" sz="2000" dirty="0">
                 <a:solidFill>
                   <a:srgbClr val="525252"/>
                 </a:solidFill>
@@ -13534,7 +13677,57 @@
                 <a:ea typeface="微软雅黑"/>
                 <a:sym typeface="Arial"/>
               </a:rPr>
-              <a:t>Github</a:t>
+              <a:t>GitHub</a:t>
+            </a:r>
+            <a:r>
+              <a:rPr lang="zh-CN" altLang="en-US" sz="2000" dirty="0">
+                <a:solidFill>
+                  <a:srgbClr val="525252"/>
+                </a:solidFill>
+                <a:latin typeface="Arial"/>
+                <a:ea typeface="微软雅黑"/>
+                <a:sym typeface="Arial"/>
+              </a:rPr>
+              <a:t>作为版本控制工具</a:t>
+            </a:r>
+            <a:endParaRPr lang="en-US" altLang="zh-CN" sz="2000" dirty="0">
+              <a:solidFill>
+                <a:srgbClr val="525252"/>
+              </a:solidFill>
+              <a:latin typeface="Arial"/>
+              <a:ea typeface="微软雅黑"/>
+              <a:sym typeface="Arial"/>
+            </a:endParaRPr>
+          </a:p>
+          <a:p>
+            <a:pPr marL="285750" indent="-285750" algn="just">
+              <a:lnSpc>
+                <a:spcPct val="130000"/>
+              </a:lnSpc>
+              <a:buFont typeface="Arial" panose="020B0604020202020204" pitchFamily="34" charset="0"/>
+              <a:buChar char="•"/>
+            </a:pPr>
+            <a:r>
+              <a:rPr lang="zh-CN" altLang="en-US" sz="2000" dirty="0">
+                <a:solidFill>
+                  <a:srgbClr val="525252"/>
+                </a:solidFill>
+                <a:latin typeface="Arial"/>
+                <a:ea typeface="微软雅黑"/>
+                <a:sym typeface="Arial"/>
+              </a:rPr>
+              <a:t>我们的</a:t>
+            </a:r>
+            <a:r>
+              <a:rPr lang="en-US" altLang="zh-CN" sz="2000" dirty="0">
+                <a:solidFill>
+                  <a:srgbClr val="525252"/>
+                </a:solidFill>
+                <a:latin typeface="Arial"/>
+                <a:ea typeface="微软雅黑"/>
+                <a:sym typeface="Arial"/>
+              </a:rPr>
+              <a:t>GitHub</a:t>
             </a:r>
             <a:r>
               <a:rPr lang="zh-CN" altLang="en-US" sz="2000" dirty="0">
@@ -13611,6 +13804,197 @@
           </a:p>
         </p:txBody>
       </p:sp>
+      <p:grpSp>
+        <p:nvGrpSpPr>
+          <p:cNvPr id="7" name="组合 6">
+            <a:extLst>
+              <a:ext uri="{FF2B5EF4-FFF2-40B4-BE49-F238E27FC236}">
+                <a16:creationId xmlns:a16="http://schemas.microsoft.com/office/drawing/2014/main" id="{88EC3EE1-A9FF-4546-8506-E612B6F4E827}"/>
+              </a:ext>
+            </a:extLst>
+          </p:cNvPr>
+          <p:cNvGrpSpPr/>
+          <p:nvPr/>
+        </p:nvGrpSpPr>
+        <p:grpSpPr>
+          <a:xfrm>
+            <a:off x="549324" y="549324"/>
+            <a:ext cx="3023410" cy="3023410"/>
+            <a:chOff x="549324" y="549324"/>
+            <a:chExt cx="3023410" cy="3023410"/>
+          </a:xfrm>
+        </p:grpSpPr>
+        <p:sp>
+          <p:nvSpPr>
+            <p:cNvPr id="9" name="椭圆 8">
+              <a:extLst>
+                <a:ext uri="{FF2B5EF4-FFF2-40B4-BE49-F238E27FC236}">
+                  <a16:creationId xmlns:a16="http://schemas.microsoft.com/office/drawing/2014/main" id="{DA618BCE-D83C-468C-B520-869DBB244A1B}"/>
+                </a:ext>
+              </a:extLst>
+            </p:cNvPr>
+            <p:cNvSpPr/>
+            <p:nvPr/>
+          </p:nvSpPr>
+          <p:spPr>
+            <a:xfrm>
+              <a:off x="549324" y="549324"/>
+              <a:ext cx="3023410" cy="3023410"/>
+            </a:xfrm>
+            <a:prstGeom prst="ellipse">
+              <a:avLst/>
+            </a:prstGeom>
+            <a:noFill/>
+            <a:ln>
+              <a:solidFill>
+                <a:srgbClr val="525252">
+                  <a:alpha val="65000"/>
+                </a:srgbClr>
+              </a:solidFill>
+            </a:ln>
+          </p:spPr>
+          <p:style>
+            <a:lnRef idx="2">
+              <a:schemeClr val="accent1">
+                <a:shade val="50000"/>
+              </a:schemeClr>
+            </a:lnRef>
+            <a:fillRef idx="1">
+              <a:schemeClr val="accent1"/>
+            </a:fillRef>
+            <a:effectRef idx="0">
+              <a:schemeClr val="accent1"/>
+            </a:effectRef>
+            <a:fontRef idx="minor">
+              <a:schemeClr val="lt1"/>
+            </a:fontRef>
+          </p:style>
+          <p:txBody>
+            <a:bodyPr rtlCol="0" anchor="ctr"/>
+            <a:lstStyle/>
+            <a:p>
+              <a:pPr algn="ctr"/>
+              <a:endParaRPr lang="zh-CN" altLang="en-US">
+                <a:latin typeface="Arial"/>
+                <a:ea typeface="微软雅黑"/>
+                <a:sym typeface="Arial"/>
+              </a:endParaRPr>
+            </a:p>
+          </p:txBody>
+        </p:sp>
+        <p:sp>
+          <p:nvSpPr>
+            <p:cNvPr id="10" name="椭圆 9">
+              <a:extLst>
+                <a:ext uri="{FF2B5EF4-FFF2-40B4-BE49-F238E27FC236}">
+                  <a16:creationId xmlns:a16="http://schemas.microsoft.com/office/drawing/2014/main" id="{7974B762-321F-4570-BFCC-CBFD6E3F2E94}"/>
+                </a:ext>
+              </a:extLst>
+            </p:cNvPr>
+            <p:cNvSpPr/>
+            <p:nvPr/>
+          </p:nvSpPr>
+          <p:spPr>
+            <a:xfrm>
+              <a:off x="2627715" y="2772640"/>
+              <a:ext cx="319314" cy="319314"/>
+            </a:xfrm>
+            <a:prstGeom prst="ellipse">
+              <a:avLst/>
+            </a:prstGeom>
+            <a:solidFill>
+              <a:srgbClr val="F36460"/>
+            </a:solidFill>
+            <a:ln>
+              <a:noFill/>
+            </a:ln>
+          </p:spPr>
+          <p:style>
+            <a:lnRef idx="2">
+              <a:schemeClr val="accent1">
+                <a:shade val="50000"/>
+              </a:schemeClr>
+            </a:lnRef>
+            <a:fillRef idx="1">
+              <a:schemeClr val="accent1"/>
+            </a:fillRef>
+            <a:effectRef idx="0">
+              <a:schemeClr val="accent1"/>
+            </a:effectRef>
+            <a:fontRef idx="minor">
+              <a:schemeClr val="lt1"/>
+            </a:fontRef>
+          </p:style>
+          <p:txBody>
+            <a:bodyPr rtlCol="0" anchor="ctr"/>
+            <a:lstStyle/>
+            <a:p>
+              <a:pPr algn="ctr"/>
+              <a:endParaRPr lang="zh-CN" altLang="en-US">
+                <a:latin typeface="Arial"/>
+                <a:ea typeface="微软雅黑"/>
+                <a:sym typeface="Arial"/>
+              </a:endParaRPr>
+            </a:p>
+          </p:txBody>
+        </p:sp>
+        <p:sp>
+          <p:nvSpPr>
+            <p:cNvPr id="11" name="椭圆 10">
+              <a:extLst>
+                <a:ext uri="{FF2B5EF4-FFF2-40B4-BE49-F238E27FC236}">
+                  <a16:creationId xmlns:a16="http://schemas.microsoft.com/office/drawing/2014/main" id="{09000DAF-265E-41BC-B045-830A0E3B55ED}"/>
+                </a:ext>
+              </a:extLst>
+            </p:cNvPr>
+            <p:cNvSpPr/>
+            <p:nvPr/>
+          </p:nvSpPr>
+          <p:spPr>
+            <a:xfrm>
+              <a:off x="1283424" y="961558"/>
+              <a:ext cx="319314" cy="319314"/>
+            </a:xfrm>
+            <a:prstGeom prst="ellipse">
+              <a:avLst/>
+            </a:prstGeom>
+            <a:solidFill>
+              <a:srgbClr val="525252"/>
+            </a:solidFill>
+            <a:ln>
+              <a:noFill/>
+            </a:ln>
+          </p:spPr>
+          <p:style>
+            <a:lnRef idx="2">
+              <a:schemeClr val="accent1">
+                <a:shade val="50000"/>
+              </a:schemeClr>
+            </a:lnRef>
+            <a:fillRef idx="1">
+              <a:schemeClr val="accent1"/>
+            </a:fillRef>
+            <a:effectRef idx="0">
+              <a:schemeClr val="accent1"/>
+            </a:effectRef>
+            <a:fontRef idx="minor">
+              <a:schemeClr val="lt1"/>
+            </a:fontRef>
+          </p:style>
+          <p:txBody>
+            <a:bodyPr rtlCol="0" anchor="ctr"/>
+            <a:lstStyle/>
+            <a:p>
+              <a:pPr algn="ctr"/>
+              <a:endParaRPr lang="zh-CN" altLang="en-US">
+                <a:latin typeface="Arial"/>
+                <a:ea typeface="微软雅黑"/>
+                <a:sym typeface="Arial"/>
+              </a:endParaRPr>
+            </a:p>
+          </p:txBody>
+        </p:sp>
+      </p:grpSp>
     </p:spTree>
     <p:extLst>
       <p:ext uri="{BB962C8B-B14F-4D97-AF65-F5344CB8AC3E}">
@@ -13658,7 +14042,7 @@
         </p:nvSpPr>
         <p:spPr>
           <a:xfrm>
-            <a:off x="887278" y="648580"/>
+            <a:off x="1269017" y="1030319"/>
             <a:ext cx="3045530" cy="461665"/>
           </a:xfrm>
           <a:prstGeom prst="rect">
@@ -13767,7 +14151,7 @@
         </p:nvSpPr>
         <p:spPr>
           <a:xfrm>
-            <a:off x="887278" y="1540732"/>
+            <a:off x="1269017" y="1777842"/>
             <a:ext cx="5699633" cy="1651158"/>
           </a:xfrm>
           <a:prstGeom prst="rect">
@@ -13879,7 +14263,7 @@
           <p:nvPr>
             <p:extLst>
               <p:ext uri="{D42A27DB-BD31-4B8C-83A1-F6EECF244321}">
-                <p14:modId xmlns:p14="http://schemas.microsoft.com/office/powerpoint/2010/main" val="1947703428"/>
+                <p14:modId xmlns:p14="http://schemas.microsoft.com/office/powerpoint/2010/main" val="1294428876"/>
               </p:ext>
             </p:extLst>
           </p:nvPr>
@@ -13949,8 +14333,8 @@
         </p:blipFill>
         <p:spPr>
           <a:xfrm>
-            <a:off x="2849789" y="2241621"/>
-            <a:ext cx="6348010" cy="3612193"/>
+            <a:off x="2361517" y="1730146"/>
+            <a:ext cx="7246868" cy="4123668"/>
           </a:xfrm>
           <a:prstGeom prst="rect">
             <a:avLst/>
@@ -14043,7 +14427,7 @@
         </p:nvSpPr>
         <p:spPr>
           <a:xfrm>
-            <a:off x="887278" y="648580"/>
+            <a:off x="1029320" y="795430"/>
             <a:ext cx="3045530" cy="461665"/>
           </a:xfrm>
           <a:prstGeom prst="rect">
@@ -14272,7 +14656,7 @@
         </p:nvSpPr>
         <p:spPr>
           <a:xfrm>
-            <a:off x="887278" y="648580"/>
+            <a:off x="2156785" y="1358794"/>
             <a:ext cx="3045530" cy="461665"/>
           </a:xfrm>
           <a:prstGeom prst="rect">
@@ -14381,7 +14765,7 @@
         </p:nvSpPr>
         <p:spPr>
           <a:xfrm>
-            <a:off x="887278" y="1421020"/>
+            <a:off x="2156785" y="2353176"/>
             <a:ext cx="5699633" cy="1651158"/>
           </a:xfrm>
           <a:prstGeom prst="rect">
@@ -23070,6 +23454,240 @@
           </a:p>
         </p:txBody>
       </p:sp>
+      <p:pic>
+        <p:nvPicPr>
+          <p:cNvPr id="2" name="图片 1">
+            <a:extLst>
+              <a:ext uri="{FF2B5EF4-FFF2-40B4-BE49-F238E27FC236}">
+                <a16:creationId xmlns:a16="http://schemas.microsoft.com/office/drawing/2014/main" id="{E58882DC-46B1-44F4-9701-3E88515CAD15}"/>
+              </a:ext>
+            </a:extLst>
+          </p:cNvPr>
+          <p:cNvPicPr>
+            <a:picLocks noChangeAspect="1"/>
+          </p:cNvPicPr>
+          <p:nvPr/>
+        </p:nvPicPr>
+        <p:blipFill>
+          <a:blip r:embed="rId2"/>
+          <a:stretch>
+            <a:fillRect/>
+          </a:stretch>
+        </p:blipFill>
+        <p:spPr>
+          <a:xfrm>
+            <a:off x="1227336" y="636184"/>
+            <a:ext cx="8626932" cy="391609"/>
+          </a:xfrm>
+          <a:prstGeom prst="rect">
+            <a:avLst/>
+          </a:prstGeom>
+        </p:spPr>
+      </p:pic>
+      <p:sp>
+        <p:nvSpPr>
+          <p:cNvPr id="3" name="文本框 2">
+            <a:extLst>
+              <a:ext uri="{FF2B5EF4-FFF2-40B4-BE49-F238E27FC236}">
+                <a16:creationId xmlns:a16="http://schemas.microsoft.com/office/drawing/2014/main" id="{D4B39035-507E-4D77-A3CF-6E1F174969F3}"/>
+              </a:ext>
+            </a:extLst>
+          </p:cNvPr>
+          <p:cNvSpPr txBox="1"/>
+          <p:nvPr/>
+        </p:nvSpPr>
+        <p:spPr>
+          <a:xfrm>
+            <a:off x="5239951" y="2126858"/>
+            <a:ext cx="5699633" cy="2585323"/>
+          </a:xfrm>
+          <a:prstGeom prst="rect">
+            <a:avLst/>
+          </a:prstGeom>
+          <a:noFill/>
+        </p:spPr>
+        <p:txBody>
+          <a:bodyPr wrap="square" rtlCol="0">
+            <a:spAutoFit/>
+          </a:bodyPr>
+          <a:lstStyle/>
+          <a:p>
+            <a:pPr marL="285750" indent="-285750" algn="just">
+              <a:buFont typeface="Arial" panose="020B0604020202020204" pitchFamily="34" charset="0"/>
+              <a:buChar char="•"/>
+            </a:pPr>
+            <a:r>
+              <a:rPr lang="zh-CN" altLang="zh-CN" sz="1800" kern="100" dirty="0">
+                <a:effectLst/>
+                <a:latin typeface="等线" panose="02010600030101010101" pitchFamily="2" charset="-122"/>
+                <a:ea typeface="黑体" panose="02010609060101010101" pitchFamily="49" charset="-122"/>
+                <a:cs typeface="Times New Roman" panose="02020603050405020304" pitchFamily="18" charset="0"/>
+              </a:rPr>
+              <a:t>系统定义</a:t>
+            </a:r>
+            <a:r>
+              <a:rPr lang="zh-CN" altLang="en-US" sz="1800" kern="100" dirty="0">
+                <a:effectLst/>
+                <a:latin typeface="等线" panose="02010600030101010101" pitchFamily="2" charset="-122"/>
+                <a:ea typeface="黑体" panose="02010609060101010101" pitchFamily="49" charset="-122"/>
+                <a:cs typeface="Times New Roman" panose="02020603050405020304" pitchFamily="18" charset="0"/>
+              </a:rPr>
+              <a:t>：</a:t>
+            </a:r>
+            <a:endParaRPr lang="en-US" altLang="zh-CN" sz="1800" kern="100" dirty="0">
+              <a:effectLst/>
+              <a:latin typeface="等线" panose="02010600030101010101" pitchFamily="2" charset="-122"/>
+              <a:ea typeface="黑体" panose="02010609060101010101" pitchFamily="49" charset="-122"/>
+              <a:cs typeface="Times New Roman" panose="02020603050405020304" pitchFamily="18" charset="0"/>
+            </a:endParaRPr>
+          </a:p>
+          <a:p>
+            <a:pPr algn="just"/>
+            <a:r>
+              <a:rPr lang="en-US" altLang="zh-CN" kern="100" dirty="0">
+                <a:latin typeface="等线" panose="02010600030101010101" pitchFamily="2" charset="-122"/>
+                <a:ea typeface="黑体" panose="02010609060101010101" pitchFamily="49" charset="-122"/>
+                <a:cs typeface="Times New Roman" panose="02020603050405020304" pitchFamily="18" charset="0"/>
+              </a:rPr>
+              <a:t>	</a:t>
+            </a:r>
+            <a:r>
+              <a:rPr lang="zh-CN" altLang="zh-CN" sz="1800" kern="100" dirty="0">
+                <a:effectLst/>
+                <a:latin typeface="等线" panose="02010600030101010101" pitchFamily="2" charset="-122"/>
+                <a:ea typeface="等线" panose="02010600030101010101" pitchFamily="2" charset="-122"/>
+                <a:cs typeface="Times New Roman" panose="02020603050405020304" pitchFamily="18" charset="0"/>
+              </a:rPr>
+              <a:t>本系统需要能够读入用户指定的</a:t>
+            </a:r>
+            <a:r>
+              <a:rPr lang="en-US" altLang="zh-CN" sz="1800" kern="100" dirty="0">
+                <a:effectLst/>
+                <a:latin typeface="等线" panose="02010600030101010101" pitchFamily="2" charset="-122"/>
+                <a:ea typeface="等线" panose="02010600030101010101" pitchFamily="2" charset="-122"/>
+                <a:cs typeface="Times New Roman" panose="02020603050405020304" pitchFamily="18" charset="0"/>
+              </a:rPr>
+              <a:t>.</a:t>
+            </a:r>
+            <a:r>
+              <a:rPr lang="en-US" altLang="zh-CN" sz="1800" kern="100" dirty="0" err="1">
+                <a:effectLst/>
+                <a:latin typeface="等线" panose="02010600030101010101" pitchFamily="2" charset="-122"/>
+                <a:ea typeface="等线" panose="02010600030101010101" pitchFamily="2" charset="-122"/>
+                <a:cs typeface="Times New Roman" panose="02020603050405020304" pitchFamily="18" charset="0"/>
+              </a:rPr>
+              <a:t>pcap</a:t>
+            </a:r>
+            <a:r>
+              <a:rPr lang="zh-CN" altLang="zh-CN" sz="1800" kern="100" dirty="0">
+                <a:effectLst/>
+                <a:latin typeface="等线" panose="02010600030101010101" pitchFamily="2" charset="-122"/>
+                <a:ea typeface="等线" panose="02010600030101010101" pitchFamily="2" charset="-122"/>
+                <a:cs typeface="Times New Roman" panose="02020603050405020304" pitchFamily="18" charset="0"/>
+              </a:rPr>
+              <a:t>或</a:t>
+            </a:r>
+            <a:r>
+              <a:rPr lang="en-US" altLang="zh-CN" sz="1800" kern="100" dirty="0">
+                <a:effectLst/>
+                <a:latin typeface="等线" panose="02010600030101010101" pitchFamily="2" charset="-122"/>
+                <a:ea typeface="等线" panose="02010600030101010101" pitchFamily="2" charset="-122"/>
+                <a:cs typeface="Times New Roman" panose="02020603050405020304" pitchFamily="18" charset="0"/>
+              </a:rPr>
+              <a:t>.csv</a:t>
+            </a:r>
+            <a:r>
+              <a:rPr lang="zh-CN" altLang="zh-CN" sz="1800" kern="100" dirty="0">
+                <a:effectLst/>
+                <a:latin typeface="等线" panose="02010600030101010101" pitchFamily="2" charset="-122"/>
+                <a:ea typeface="等线" panose="02010600030101010101" pitchFamily="2" charset="-122"/>
+                <a:cs typeface="Times New Roman" panose="02020603050405020304" pitchFamily="18" charset="0"/>
+              </a:rPr>
+              <a:t>格式的大数据包。如果包内数据是适当格式的网络监控数据，则本系统能够对数据进行分析，而后生成由节点构成的网络环境。系统能够根据流量关系，计算攻击过程，而后图形化显示网络被攻击过程。</a:t>
+            </a:r>
+          </a:p>
+          <a:p>
+            <a:pPr marL="285750" indent="-285750" algn="just">
+              <a:buFont typeface="Arial" panose="020B0604020202020204" pitchFamily="34" charset="0"/>
+              <a:buChar char="•"/>
+            </a:pPr>
+            <a:r>
+              <a:rPr lang="en-US" altLang="zh-CN" sz="1800" kern="100" dirty="0">
+                <a:effectLst/>
+                <a:latin typeface="等线" panose="02010600030101010101" pitchFamily="2" charset="-122"/>
+                <a:ea typeface="等线" panose="02010600030101010101" pitchFamily="2" charset="-122"/>
+                <a:cs typeface="Times New Roman" panose="02020603050405020304" pitchFamily="18" charset="0"/>
+              </a:rPr>
+              <a:t> </a:t>
+            </a:r>
+            <a:endParaRPr lang="zh-CN" altLang="zh-CN" sz="1800" kern="100" dirty="0">
+              <a:effectLst/>
+              <a:latin typeface="等线" panose="02010600030101010101" pitchFamily="2" charset="-122"/>
+              <a:ea typeface="等线" panose="02010600030101010101" pitchFamily="2" charset="-122"/>
+              <a:cs typeface="Times New Roman" panose="02020603050405020304" pitchFamily="18" charset="0"/>
+            </a:endParaRPr>
+          </a:p>
+          <a:p>
+            <a:pPr marL="285750" indent="-285750" algn="just">
+              <a:buFont typeface="Arial" panose="020B0604020202020204" pitchFamily="34" charset="0"/>
+              <a:buChar char="•"/>
+            </a:pPr>
+            <a:r>
+              <a:rPr lang="zh-CN" altLang="zh-CN" sz="1800" kern="100" dirty="0">
+                <a:effectLst/>
+                <a:latin typeface="等线" panose="02010600030101010101" pitchFamily="2" charset="-122"/>
+                <a:ea typeface="黑体" panose="02010609060101010101" pitchFamily="49" charset="-122"/>
+                <a:cs typeface="Times New Roman" panose="02020603050405020304" pitchFamily="18" charset="0"/>
+              </a:rPr>
+              <a:t>应用环境</a:t>
+            </a:r>
+            <a:r>
+              <a:rPr lang="zh-CN" altLang="en-US" sz="1800" kern="100" dirty="0">
+                <a:effectLst/>
+                <a:latin typeface="等线" panose="02010600030101010101" pitchFamily="2" charset="-122"/>
+                <a:ea typeface="黑体" panose="02010609060101010101" pitchFamily="49" charset="-122"/>
+                <a:cs typeface="Times New Roman" panose="02020603050405020304" pitchFamily="18" charset="0"/>
+              </a:rPr>
+              <a:t>：</a:t>
+            </a:r>
+            <a:endParaRPr lang="en-US" altLang="zh-CN" sz="1800" kern="100" dirty="0">
+              <a:effectLst/>
+              <a:latin typeface="等线" panose="02010600030101010101" pitchFamily="2" charset="-122"/>
+              <a:ea typeface="黑体" panose="02010609060101010101" pitchFamily="49" charset="-122"/>
+              <a:cs typeface="Times New Roman" panose="02020603050405020304" pitchFamily="18" charset="0"/>
+            </a:endParaRPr>
+          </a:p>
+          <a:p>
+            <a:pPr algn="just"/>
+            <a:r>
+              <a:rPr lang="en-US" altLang="zh-CN" kern="100" dirty="0">
+                <a:latin typeface="等线" panose="02010600030101010101" pitchFamily="2" charset="-122"/>
+                <a:ea typeface="黑体" panose="02010609060101010101" pitchFamily="49" charset="-122"/>
+                <a:cs typeface="Times New Roman" panose="02020603050405020304" pitchFamily="18" charset="0"/>
+              </a:rPr>
+              <a:t>	</a:t>
+            </a:r>
+            <a:r>
+              <a:rPr lang="en-US" altLang="zh-CN" sz="1800" kern="100" dirty="0">
+                <a:effectLst/>
+                <a:latin typeface="等线" panose="02010600030101010101" pitchFamily="2" charset="-122"/>
+                <a:ea typeface="等线" panose="02010600030101010101" pitchFamily="2" charset="-122"/>
+                <a:cs typeface="Times New Roman" panose="02020603050405020304" pitchFamily="18" charset="0"/>
+              </a:rPr>
+              <a:t>Windows 10</a:t>
+            </a:r>
+            <a:r>
+              <a:rPr lang="zh-CN" altLang="zh-CN" sz="1800" kern="100" dirty="0">
+                <a:effectLst/>
+                <a:latin typeface="等线" panose="02010600030101010101" pitchFamily="2" charset="-122"/>
+                <a:ea typeface="等线" panose="02010600030101010101" pitchFamily="2" charset="-122"/>
+                <a:cs typeface="Times New Roman" panose="02020603050405020304" pitchFamily="18" charset="0"/>
+              </a:rPr>
+              <a:t>计算机系统。</a:t>
+            </a:r>
+          </a:p>
+        </p:txBody>
+      </p:sp>
     </p:spTree>
     <p:extLst>
       <p:ext uri="{BB962C8B-B14F-4D97-AF65-F5344CB8AC3E}">
@@ -23105,376 +23723,49 @@
       </p:grpSpPr>
       <p:sp>
         <p:nvSpPr>
-          <p:cNvPr id="2" name="六边形 1">
-            <a:extLst>
-              <a:ext uri="{FF2B5EF4-FFF2-40B4-BE49-F238E27FC236}">
-                <a16:creationId xmlns:a16="http://schemas.microsoft.com/office/drawing/2014/main" id="{40D0C94C-DA18-4565-BEB9-02C0BE306307}"/>
-              </a:ext>
-            </a:extLst>
-          </p:cNvPr>
-          <p:cNvSpPr/>
+          <p:cNvPr id="3" name="文本框 2">
+            <a:extLst>
+              <a:ext uri="{FF2B5EF4-FFF2-40B4-BE49-F238E27FC236}">
+                <a16:creationId xmlns:a16="http://schemas.microsoft.com/office/drawing/2014/main" id="{8FF689FC-49F3-4EE0-8D8D-2FE5398A443B}"/>
+              </a:ext>
+            </a:extLst>
+          </p:cNvPr>
+          <p:cNvSpPr txBox="1"/>
           <p:nvPr/>
         </p:nvSpPr>
         <p:spPr>
-          <a:xfrm rot="5400000">
-            <a:off x="10174897" y="1891927"/>
-            <a:ext cx="4044880" cy="3486966"/>
-          </a:xfrm>
-          <a:prstGeom prst="hexagon">
+          <a:xfrm>
+            <a:off x="1023150" y="795195"/>
+            <a:ext cx="3045530" cy="461665"/>
+          </a:xfrm>
+          <a:prstGeom prst="rect">
             <a:avLst/>
           </a:prstGeom>
           <a:noFill/>
-          <a:ln>
-            <a:solidFill>
-              <a:schemeClr val="tx1">
-                <a:alpha val="21000"/>
-              </a:schemeClr>
-            </a:solidFill>
-          </a:ln>
-        </p:spPr>
-        <p:style>
-          <a:lnRef idx="2">
-            <a:schemeClr val="accent1">
-              <a:shade val="50000"/>
-            </a:schemeClr>
-          </a:lnRef>
-          <a:fillRef idx="1">
-            <a:schemeClr val="accent1"/>
-          </a:fillRef>
-          <a:effectRef idx="0">
-            <a:schemeClr val="accent1"/>
-          </a:effectRef>
-          <a:fontRef idx="minor">
-            <a:schemeClr val="lt1"/>
-          </a:fontRef>
-        </p:style>
+        </p:spPr>
         <p:txBody>
-          <a:bodyPr rtlCol="0" anchor="ctr"/>
+          <a:bodyPr wrap="square" rtlCol="0">
+            <a:spAutoFit/>
+          </a:bodyPr>
           <a:lstStyle/>
           <a:p>
-            <a:pPr algn="ctr"/>
-            <a:endParaRPr lang="zh-CN" altLang="en-US" dirty="0">
-              <a:latin typeface="Arial"/>
-              <a:ea typeface="微软雅黑"/>
-              <a:sym typeface="Arial"/>
-            </a:endParaRPr>
+            <a:r>
+              <a:rPr lang="zh-CN" altLang="en-US" sz="2400" b="1" spc="300" dirty="0">
+                <a:latin typeface="Arial"/>
+                <a:ea typeface="微软雅黑"/>
+                <a:sym typeface="Arial"/>
+              </a:rPr>
+              <a:t>需求分析</a:t>
+            </a:r>
           </a:p>
         </p:txBody>
       </p:sp>
       <p:sp>
         <p:nvSpPr>
-          <p:cNvPr id="3" name="六边形 2">
-            <a:extLst>
-              <a:ext uri="{FF2B5EF4-FFF2-40B4-BE49-F238E27FC236}">
-                <a16:creationId xmlns:a16="http://schemas.microsoft.com/office/drawing/2014/main" id="{24463E74-7181-469A-AEFA-80D0A89B1972}"/>
-              </a:ext>
-            </a:extLst>
-          </p:cNvPr>
-          <p:cNvSpPr/>
-          <p:nvPr/>
-        </p:nvSpPr>
-        <p:spPr>
-          <a:xfrm rot="5400000">
-            <a:off x="10841647" y="2466712"/>
-            <a:ext cx="2711380" cy="2337396"/>
-          </a:xfrm>
-          <a:prstGeom prst="hexagon">
-            <a:avLst/>
-          </a:prstGeom>
-          <a:noFill/>
-          <a:ln>
-            <a:solidFill>
-              <a:schemeClr val="tx1">
-                <a:alpha val="47000"/>
-              </a:schemeClr>
-            </a:solidFill>
-          </a:ln>
-        </p:spPr>
-        <p:style>
-          <a:lnRef idx="2">
-            <a:schemeClr val="accent1">
-              <a:shade val="50000"/>
-            </a:schemeClr>
-          </a:lnRef>
-          <a:fillRef idx="1">
-            <a:schemeClr val="accent1"/>
-          </a:fillRef>
-          <a:effectRef idx="0">
-            <a:schemeClr val="accent1"/>
-          </a:effectRef>
-          <a:fontRef idx="minor">
-            <a:schemeClr val="lt1"/>
-          </a:fontRef>
-        </p:style>
-        <p:txBody>
-          <a:bodyPr rtlCol="0" anchor="ctr"/>
-          <a:lstStyle/>
-          <a:p>
-            <a:pPr algn="ctr"/>
-            <a:endParaRPr lang="zh-CN" altLang="en-US" dirty="0">
-              <a:latin typeface="Arial"/>
-              <a:ea typeface="微软雅黑"/>
-              <a:sym typeface="Arial"/>
-            </a:endParaRPr>
-          </a:p>
-        </p:txBody>
-      </p:sp>
-      <p:sp>
-        <p:nvSpPr>
-          <p:cNvPr id="4" name="六边形 3">
-            <a:extLst>
-              <a:ext uri="{FF2B5EF4-FFF2-40B4-BE49-F238E27FC236}">
-                <a16:creationId xmlns:a16="http://schemas.microsoft.com/office/drawing/2014/main" id="{7FCBBDD9-1186-4103-BE3A-6837EE0B05CA}"/>
-              </a:ext>
-            </a:extLst>
-          </p:cNvPr>
-          <p:cNvSpPr/>
-          <p:nvPr/>
-        </p:nvSpPr>
-        <p:spPr>
-          <a:xfrm rot="5400000">
-            <a:off x="9336697" y="1169341"/>
-            <a:ext cx="5721280" cy="4932138"/>
-          </a:xfrm>
-          <a:prstGeom prst="hexagon">
-            <a:avLst/>
-          </a:prstGeom>
-          <a:noFill/>
-          <a:ln>
-            <a:solidFill>
-              <a:schemeClr val="tx1">
-                <a:alpha val="5000"/>
-              </a:schemeClr>
-            </a:solidFill>
-          </a:ln>
-        </p:spPr>
-        <p:style>
-          <a:lnRef idx="2">
-            <a:schemeClr val="accent1">
-              <a:shade val="50000"/>
-            </a:schemeClr>
-          </a:lnRef>
-          <a:fillRef idx="1">
-            <a:schemeClr val="accent1"/>
-          </a:fillRef>
-          <a:effectRef idx="0">
-            <a:schemeClr val="accent1"/>
-          </a:effectRef>
-          <a:fontRef idx="minor">
-            <a:schemeClr val="lt1"/>
-          </a:fontRef>
-        </p:style>
-        <p:txBody>
-          <a:bodyPr rtlCol="0" anchor="ctr"/>
-          <a:lstStyle/>
-          <a:p>
-            <a:pPr algn="ctr"/>
-            <a:endParaRPr lang="zh-CN" altLang="en-US" dirty="0">
-              <a:latin typeface="Arial"/>
-              <a:ea typeface="微软雅黑"/>
-              <a:sym typeface="Arial"/>
-            </a:endParaRPr>
-          </a:p>
-        </p:txBody>
-      </p:sp>
-      <p:cxnSp>
-        <p:nvCxnSpPr>
-          <p:cNvPr id="5" name="直接连接符 4">
-            <a:extLst>
-              <a:ext uri="{FF2B5EF4-FFF2-40B4-BE49-F238E27FC236}">
-                <a16:creationId xmlns:a16="http://schemas.microsoft.com/office/drawing/2014/main" id="{CBCA769B-4C03-4EB2-BA25-2F3FBEF5A640}"/>
-              </a:ext>
-            </a:extLst>
-          </p:cNvPr>
-          <p:cNvCxnSpPr>
-            <a:cxnSpLocks/>
-            <a:stCxn id="3" idx="4"/>
-          </p:cNvCxnSpPr>
-          <p:nvPr/>
-        </p:nvCxnSpPr>
-        <p:spPr>
-          <a:xfrm flipH="1">
-            <a:off x="12217845" y="2864069"/>
-            <a:ext cx="1148189" cy="596681"/>
-          </a:xfrm>
-          <a:prstGeom prst="line">
-            <a:avLst/>
-          </a:prstGeom>
-          <a:noFill/>
-          <a:ln>
-            <a:solidFill>
-              <a:schemeClr val="tx1">
-                <a:alpha val="60000"/>
-              </a:schemeClr>
-            </a:solidFill>
-          </a:ln>
-        </p:spPr>
-        <p:style>
-          <a:lnRef idx="2">
-            <a:schemeClr val="accent1">
-              <a:shade val="50000"/>
-            </a:schemeClr>
-          </a:lnRef>
-          <a:fillRef idx="1">
-            <a:schemeClr val="accent1"/>
-          </a:fillRef>
-          <a:effectRef idx="0">
-            <a:schemeClr val="accent1"/>
-          </a:effectRef>
-          <a:fontRef idx="minor">
-            <a:schemeClr val="lt1"/>
-          </a:fontRef>
-        </p:style>
-      </p:cxnSp>
-      <p:cxnSp>
-        <p:nvCxnSpPr>
-          <p:cNvPr id="6" name="直接连接符 5">
-            <a:extLst>
-              <a:ext uri="{FF2B5EF4-FFF2-40B4-BE49-F238E27FC236}">
-                <a16:creationId xmlns:a16="http://schemas.microsoft.com/office/drawing/2014/main" id="{E4D8CE44-4E7A-40E9-B44D-CB70977AB89E}"/>
-              </a:ext>
-            </a:extLst>
-          </p:cNvPr>
-          <p:cNvCxnSpPr>
-            <a:cxnSpLocks/>
-            <a:stCxn id="3" idx="2"/>
-          </p:cNvCxnSpPr>
-          <p:nvPr/>
-        </p:nvCxnSpPr>
-        <p:spPr>
-          <a:xfrm>
-            <a:off x="11028640" y="2864069"/>
-            <a:ext cx="1174035" cy="596681"/>
-          </a:xfrm>
-          <a:prstGeom prst="line">
-            <a:avLst/>
-          </a:prstGeom>
-          <a:noFill/>
-          <a:ln>
-            <a:solidFill>
-              <a:schemeClr val="tx1">
-                <a:alpha val="60000"/>
-              </a:schemeClr>
-            </a:solidFill>
-          </a:ln>
-        </p:spPr>
-        <p:style>
-          <a:lnRef idx="2">
-            <a:schemeClr val="accent1">
-              <a:shade val="50000"/>
-            </a:schemeClr>
-          </a:lnRef>
-          <a:fillRef idx="1">
-            <a:schemeClr val="accent1"/>
-          </a:fillRef>
-          <a:effectRef idx="0">
-            <a:schemeClr val="accent1"/>
-          </a:effectRef>
-          <a:fontRef idx="minor">
-            <a:schemeClr val="lt1"/>
-          </a:fontRef>
-        </p:style>
-      </p:cxnSp>
-      <p:cxnSp>
-        <p:nvCxnSpPr>
-          <p:cNvPr id="7" name="直接连接符 6">
-            <a:extLst>
-              <a:ext uri="{FF2B5EF4-FFF2-40B4-BE49-F238E27FC236}">
-                <a16:creationId xmlns:a16="http://schemas.microsoft.com/office/drawing/2014/main" id="{A4FABE7C-2B90-4499-BDEA-D463F16C8A32}"/>
-              </a:ext>
-            </a:extLst>
-          </p:cNvPr>
-          <p:cNvCxnSpPr>
-            <a:cxnSpLocks/>
-            <a:endCxn id="3" idx="0"/>
-          </p:cNvCxnSpPr>
-          <p:nvPr/>
-        </p:nvCxnSpPr>
-        <p:spPr>
-          <a:xfrm>
-            <a:off x="12197337" y="3460750"/>
-            <a:ext cx="0" cy="1530350"/>
-          </a:xfrm>
-          <a:prstGeom prst="line">
-            <a:avLst/>
-          </a:prstGeom>
-          <a:noFill/>
-          <a:ln>
-            <a:solidFill>
-              <a:schemeClr val="tx1">
-                <a:alpha val="60000"/>
-              </a:schemeClr>
-            </a:solidFill>
-          </a:ln>
-        </p:spPr>
-        <p:style>
-          <a:lnRef idx="2">
-            <a:schemeClr val="accent1">
-              <a:shade val="50000"/>
-            </a:schemeClr>
-          </a:lnRef>
-          <a:fillRef idx="1">
-            <a:schemeClr val="accent1"/>
-          </a:fillRef>
-          <a:effectRef idx="0">
-            <a:schemeClr val="accent1"/>
-          </a:effectRef>
-          <a:fontRef idx="minor">
-            <a:schemeClr val="lt1"/>
-          </a:fontRef>
-        </p:style>
-      </p:cxnSp>
-      <p:cxnSp>
-        <p:nvCxnSpPr>
-          <p:cNvPr id="8" name="直接连接符 7">
-            <a:extLst>
-              <a:ext uri="{FF2B5EF4-FFF2-40B4-BE49-F238E27FC236}">
-                <a16:creationId xmlns:a16="http://schemas.microsoft.com/office/drawing/2014/main" id="{9B9A59A8-12A5-4D6A-9981-5D9B121F9DF7}"/>
-              </a:ext>
-            </a:extLst>
-          </p:cNvPr>
-          <p:cNvCxnSpPr>
-            <a:cxnSpLocks/>
-          </p:cNvCxnSpPr>
-          <p:nvPr/>
-        </p:nvCxnSpPr>
-        <p:spPr>
-          <a:xfrm>
-            <a:off x="11853863" y="6473371"/>
-            <a:ext cx="288131" cy="0"/>
-          </a:xfrm>
-          <a:prstGeom prst="line">
-            <a:avLst/>
-          </a:prstGeom>
-          <a:ln>
-            <a:solidFill>
-              <a:schemeClr val="tx1">
-                <a:alpha val="45000"/>
-              </a:schemeClr>
-            </a:solidFill>
-          </a:ln>
-        </p:spPr>
-        <p:style>
-          <a:lnRef idx="1">
-            <a:schemeClr val="accent1"/>
-          </a:lnRef>
-          <a:fillRef idx="0">
-            <a:schemeClr val="accent1"/>
-          </a:fillRef>
-          <a:effectRef idx="0">
-            <a:schemeClr val="accent1"/>
-          </a:effectRef>
-          <a:fontRef idx="minor">
-            <a:schemeClr val="tx1"/>
-          </a:fontRef>
-        </p:style>
-      </p:cxnSp>
-      <p:sp>
-        <p:nvSpPr>
-          <p:cNvPr id="9" name="灯片编号占位符 14">
-            <a:extLst>
-              <a:ext uri="{FF2B5EF4-FFF2-40B4-BE49-F238E27FC236}">
-                <a16:creationId xmlns:a16="http://schemas.microsoft.com/office/drawing/2014/main" id="{BDD5327C-2316-48D8-AF5E-58907DB06DE5}"/>
+          <p:cNvPr id="4" name="灯片编号占位符 14">
+            <a:extLst>
+              <a:ext uri="{FF2B5EF4-FFF2-40B4-BE49-F238E27FC236}">
+                <a16:creationId xmlns:a16="http://schemas.microsoft.com/office/drawing/2014/main" id="{E386DA5C-904E-498B-9F2D-F42AB873E30A}"/>
               </a:ext>
             </a:extLst>
           </p:cNvPr>
@@ -23539,49 +23830,1011 @@
           </a:p>
         </p:txBody>
       </p:sp>
-      <p:sp>
-        <p:nvSpPr>
-          <p:cNvPr id="11" name="文本框 10">
-            <a:extLst>
-              <a:ext uri="{FF2B5EF4-FFF2-40B4-BE49-F238E27FC236}">
-                <a16:creationId xmlns:a16="http://schemas.microsoft.com/office/drawing/2014/main" id="{CC03F539-7938-44F9-ACFA-D3A03808D7B8}"/>
-              </a:ext>
-            </a:extLst>
-          </p:cNvPr>
-          <p:cNvSpPr txBox="1"/>
-          <p:nvPr/>
-        </p:nvSpPr>
-        <p:spPr>
-          <a:xfrm>
-            <a:off x="1227336" y="1896026"/>
-            <a:ext cx="3045530" cy="461665"/>
-          </a:xfrm>
-          <a:prstGeom prst="rect">
-            <a:avLst/>
-          </a:prstGeom>
-          <a:noFill/>
-        </p:spPr>
-        <p:txBody>
-          <a:bodyPr wrap="square" rtlCol="0">
-            <a:spAutoFit/>
-          </a:bodyPr>
-          <a:lstStyle/>
-          <a:p>
-            <a:r>
-              <a:rPr lang="zh-CN" altLang="en-US" sz="2400" b="1" spc="300" dirty="0">
-                <a:latin typeface="Arial"/>
-                <a:ea typeface="微软雅黑"/>
-                <a:sym typeface="Arial"/>
-              </a:rPr>
-              <a:t>概要设计</a:t>
-            </a:r>
-          </a:p>
-        </p:txBody>
-      </p:sp>
+      <p:graphicFrame>
+        <p:nvGraphicFramePr>
+          <p:cNvPr id="5" name="表格 4">
+            <a:extLst>
+              <a:ext uri="{FF2B5EF4-FFF2-40B4-BE49-F238E27FC236}">
+                <a16:creationId xmlns:a16="http://schemas.microsoft.com/office/drawing/2014/main" id="{92FDF741-AFB4-4CEE-AAD5-799BB8B6D2B8}"/>
+              </a:ext>
+            </a:extLst>
+          </p:cNvPr>
+          <p:cNvGraphicFramePr>
+            <a:graphicFrameLocks noGrp="1"/>
+          </p:cNvGraphicFramePr>
+          <p:nvPr>
+            <p:extLst>
+              <p:ext uri="{D42A27DB-BD31-4B8C-83A1-F6EECF244321}">
+                <p14:modId xmlns:p14="http://schemas.microsoft.com/office/powerpoint/2010/main" val="834662943"/>
+              </p:ext>
+            </p:extLst>
+          </p:nvPr>
+        </p:nvGraphicFramePr>
+        <p:xfrm>
+          <a:off x="1726521" y="1504671"/>
+          <a:ext cx="9210768" cy="4895579"/>
+        </p:xfrm>
+        <a:graphic>
+          <a:graphicData uri="http://schemas.openxmlformats.org/drawingml/2006/table">
+            <a:tbl>
+              <a:tblPr>
+                <a:tableStyleId>{8799B23B-EC83-4686-B30A-512413B5E67A}</a:tableStyleId>
+              </a:tblPr>
+              <a:tblGrid>
+                <a:gridCol w="962234">
+                  <a:extLst>
+                    <a:ext uri="{9D8B030D-6E8A-4147-A177-3AD203B41FA5}">
+                      <a16:colId xmlns:a16="http://schemas.microsoft.com/office/drawing/2014/main" val="664663137"/>
+                    </a:ext>
+                  </a:extLst>
+                </a:gridCol>
+                <a:gridCol w="4124267">
+                  <a:extLst>
+                    <a:ext uri="{9D8B030D-6E8A-4147-A177-3AD203B41FA5}">
+                      <a16:colId xmlns:a16="http://schemas.microsoft.com/office/drawing/2014/main" val="3944379835"/>
+                    </a:ext>
+                  </a:extLst>
+                </a:gridCol>
+                <a:gridCol w="4124267">
+                  <a:extLst>
+                    <a:ext uri="{9D8B030D-6E8A-4147-A177-3AD203B41FA5}">
+                      <a16:colId xmlns:a16="http://schemas.microsoft.com/office/drawing/2014/main" val="3383894921"/>
+                    </a:ext>
+                  </a:extLst>
+                </a:gridCol>
+              </a:tblGrid>
+              <a:tr h="506459">
+                <a:tc>
+                  <a:txBody>
+                    <a:bodyPr/>
+                    <a:lstStyle/>
+                    <a:p>
+                      <a:pPr algn="ctr"/>
+                      <a:r>
+                        <a:rPr lang="zh-CN" sz="1800" kern="100">
+                          <a:effectLst/>
+                        </a:rPr>
+                        <a:t>功能类别</a:t>
+                      </a:r>
+                      <a:endParaRPr lang="zh-CN" sz="1800" kern="100">
+                        <a:effectLst/>
+                        <a:latin typeface="等线" panose="02010600030101010101" pitchFamily="2" charset="-122"/>
+                        <a:ea typeface="等线" panose="02010600030101010101" pitchFamily="2" charset="-122"/>
+                        <a:cs typeface="Times New Roman" panose="02020603050405020304" pitchFamily="18" charset="0"/>
+                      </a:endParaRPr>
+                    </a:p>
+                  </a:txBody>
+                  <a:tcPr marL="68580" marR="68580" marT="0" marB="0" anchor="ctr"/>
+                </a:tc>
+                <a:tc>
+                  <a:txBody>
+                    <a:bodyPr/>
+                    <a:lstStyle/>
+                    <a:p>
+                      <a:pPr algn="ctr"/>
+                      <a:r>
+                        <a:rPr lang="zh-CN" sz="1800" kern="100">
+                          <a:effectLst/>
+                        </a:rPr>
+                        <a:t>功能名称</a:t>
+                      </a:r>
+                      <a:endParaRPr lang="zh-CN" sz="1800" kern="100">
+                        <a:effectLst/>
+                        <a:latin typeface="等线" panose="02010600030101010101" pitchFamily="2" charset="-122"/>
+                        <a:ea typeface="等线" panose="02010600030101010101" pitchFamily="2" charset="-122"/>
+                        <a:cs typeface="Times New Roman" panose="02020603050405020304" pitchFamily="18" charset="0"/>
+                      </a:endParaRPr>
+                    </a:p>
+                  </a:txBody>
+                  <a:tcPr marL="68580" marR="68580" marT="0" marB="0" anchor="ctr"/>
+                </a:tc>
+                <a:tc>
+                  <a:txBody>
+                    <a:bodyPr/>
+                    <a:lstStyle/>
+                    <a:p>
+                      <a:pPr algn="ctr"/>
+                      <a:r>
+                        <a:rPr lang="zh-CN" sz="1800" kern="100">
+                          <a:effectLst/>
+                        </a:rPr>
+                        <a:t>一般过程描述</a:t>
+                      </a:r>
+                      <a:endParaRPr lang="zh-CN" sz="1800" kern="100">
+                        <a:effectLst/>
+                        <a:latin typeface="等线" panose="02010600030101010101" pitchFamily="2" charset="-122"/>
+                        <a:ea typeface="等线" panose="02010600030101010101" pitchFamily="2" charset="-122"/>
+                        <a:cs typeface="Times New Roman" panose="02020603050405020304" pitchFamily="18" charset="0"/>
+                      </a:endParaRPr>
+                    </a:p>
+                  </a:txBody>
+                  <a:tcPr marL="68580" marR="68580" marT="0" marB="0" anchor="ctr"/>
+                </a:tc>
+                <a:extLst>
+                  <a:ext uri="{0D108BD9-81ED-4DB2-BD59-A6C34878D82A}">
+                    <a16:rowId xmlns:a16="http://schemas.microsoft.com/office/drawing/2014/main" val="1332703895"/>
+                  </a:ext>
+                </a:extLst>
+              </a:tr>
+              <a:tr h="253230">
+                <a:tc rowSpan="2">
+                  <a:txBody>
+                    <a:bodyPr/>
+                    <a:lstStyle/>
+                    <a:p>
+                      <a:pPr algn="ctr"/>
+                      <a:r>
+                        <a:rPr lang="zh-CN" sz="1800" kern="100">
+                          <a:effectLst/>
+                        </a:rPr>
+                        <a:t>读入数据</a:t>
+                      </a:r>
+                      <a:endParaRPr lang="zh-CN" sz="1800" kern="100">
+                        <a:effectLst/>
+                        <a:latin typeface="等线" panose="02010600030101010101" pitchFamily="2" charset="-122"/>
+                        <a:ea typeface="等线" panose="02010600030101010101" pitchFamily="2" charset="-122"/>
+                        <a:cs typeface="Times New Roman" panose="02020603050405020304" pitchFamily="18" charset="0"/>
+                      </a:endParaRPr>
+                    </a:p>
+                  </a:txBody>
+                  <a:tcPr marL="68580" marR="68580" marT="0" marB="0" anchor="ctr"/>
+                </a:tc>
+                <a:tc>
+                  <a:txBody>
+                    <a:bodyPr/>
+                    <a:lstStyle/>
+                    <a:p>
+                      <a:pPr algn="ctr"/>
+                      <a:r>
+                        <a:rPr lang="zh-CN" sz="1800" kern="100">
+                          <a:effectLst/>
+                        </a:rPr>
+                        <a:t>读入</a:t>
+                      </a:r>
+                      <a:r>
+                        <a:rPr lang="en-US" sz="1800" kern="100">
+                          <a:effectLst/>
+                        </a:rPr>
+                        <a:t>PCAP</a:t>
+                      </a:r>
+                      <a:r>
+                        <a:rPr lang="zh-CN" sz="1800" kern="100">
+                          <a:effectLst/>
+                        </a:rPr>
+                        <a:t>包</a:t>
+                      </a:r>
+                      <a:endParaRPr lang="zh-CN" sz="1800" kern="100">
+                        <a:effectLst/>
+                        <a:latin typeface="等线" panose="02010600030101010101" pitchFamily="2" charset="-122"/>
+                        <a:ea typeface="等线" panose="02010600030101010101" pitchFamily="2" charset="-122"/>
+                        <a:cs typeface="Times New Roman" panose="02020603050405020304" pitchFamily="18" charset="0"/>
+                      </a:endParaRPr>
+                    </a:p>
+                  </a:txBody>
+                  <a:tcPr marL="68580" marR="68580" marT="0" marB="0" anchor="ctr"/>
+                </a:tc>
+                <a:tc>
+                  <a:txBody>
+                    <a:bodyPr/>
+                    <a:lstStyle/>
+                    <a:p>
+                      <a:pPr algn="l"/>
+                      <a:r>
+                        <a:rPr lang="zh-CN" sz="1800" kern="100">
+                          <a:effectLst/>
+                        </a:rPr>
+                        <a:t>读入用户指定路径的</a:t>
+                      </a:r>
+                      <a:r>
+                        <a:rPr lang="en-US" sz="1800" kern="100">
+                          <a:effectLst/>
+                        </a:rPr>
+                        <a:t>PCAP</a:t>
+                      </a:r>
+                      <a:r>
+                        <a:rPr lang="zh-CN" sz="1800" kern="100">
+                          <a:effectLst/>
+                        </a:rPr>
+                        <a:t>包</a:t>
+                      </a:r>
+                      <a:endParaRPr lang="zh-CN" sz="1800" kern="100">
+                        <a:effectLst/>
+                        <a:latin typeface="等线" panose="02010600030101010101" pitchFamily="2" charset="-122"/>
+                        <a:ea typeface="等线" panose="02010600030101010101" pitchFamily="2" charset="-122"/>
+                        <a:cs typeface="Times New Roman" panose="02020603050405020304" pitchFamily="18" charset="0"/>
+                      </a:endParaRPr>
+                    </a:p>
+                  </a:txBody>
+                  <a:tcPr marL="68580" marR="68580" marT="0" marB="0" anchor="ctr"/>
+                </a:tc>
+                <a:extLst>
+                  <a:ext uri="{0D108BD9-81ED-4DB2-BD59-A6C34878D82A}">
+                    <a16:rowId xmlns:a16="http://schemas.microsoft.com/office/drawing/2014/main" val="1580125008"/>
+                  </a:ext>
+                </a:extLst>
+              </a:tr>
+              <a:tr h="253230">
+                <a:tc vMerge="1">
+                  <a:txBody>
+                    <a:bodyPr/>
+                    <a:lstStyle/>
+                    <a:p>
+                      <a:endParaRPr lang="zh-CN" altLang="en-US"/>
+                    </a:p>
+                  </a:txBody>
+                  <a:tcPr/>
+                </a:tc>
+                <a:tc>
+                  <a:txBody>
+                    <a:bodyPr/>
+                    <a:lstStyle/>
+                    <a:p>
+                      <a:pPr algn="ctr"/>
+                      <a:r>
+                        <a:rPr lang="zh-CN" sz="1800" kern="100">
+                          <a:effectLst/>
+                        </a:rPr>
+                        <a:t>读入</a:t>
+                      </a:r>
+                      <a:r>
+                        <a:rPr lang="en-US" sz="1800" kern="100">
+                          <a:effectLst/>
+                        </a:rPr>
+                        <a:t>EXCEL</a:t>
+                      </a:r>
+                      <a:endParaRPr lang="zh-CN" sz="1800" kern="100">
+                        <a:effectLst/>
+                        <a:latin typeface="等线" panose="02010600030101010101" pitchFamily="2" charset="-122"/>
+                        <a:ea typeface="等线" panose="02010600030101010101" pitchFamily="2" charset="-122"/>
+                        <a:cs typeface="Times New Roman" panose="02020603050405020304" pitchFamily="18" charset="0"/>
+                      </a:endParaRPr>
+                    </a:p>
+                  </a:txBody>
+                  <a:tcPr marL="68580" marR="68580" marT="0" marB="0" anchor="ctr"/>
+                </a:tc>
+                <a:tc>
+                  <a:txBody>
+                    <a:bodyPr/>
+                    <a:lstStyle/>
+                    <a:p>
+                      <a:pPr algn="l"/>
+                      <a:r>
+                        <a:rPr lang="zh-CN" sz="1800" kern="100">
+                          <a:effectLst/>
+                        </a:rPr>
+                        <a:t>读入用户指定路径的</a:t>
+                      </a:r>
+                      <a:r>
+                        <a:rPr lang="en-US" sz="1800" kern="100">
+                          <a:effectLst/>
+                        </a:rPr>
+                        <a:t>.csv</a:t>
+                      </a:r>
+                      <a:r>
+                        <a:rPr lang="zh-CN" sz="1800" kern="100">
+                          <a:effectLst/>
+                        </a:rPr>
+                        <a:t>文件</a:t>
+                      </a:r>
+                      <a:endParaRPr lang="zh-CN" sz="1800" kern="100">
+                        <a:effectLst/>
+                        <a:latin typeface="等线" panose="02010600030101010101" pitchFamily="2" charset="-122"/>
+                        <a:ea typeface="等线" panose="02010600030101010101" pitchFamily="2" charset="-122"/>
+                        <a:cs typeface="Times New Roman" panose="02020603050405020304" pitchFamily="18" charset="0"/>
+                      </a:endParaRPr>
+                    </a:p>
+                  </a:txBody>
+                  <a:tcPr marL="68580" marR="68580" marT="0" marB="0" anchor="ctr"/>
+                </a:tc>
+                <a:extLst>
+                  <a:ext uri="{0D108BD9-81ED-4DB2-BD59-A6C34878D82A}">
+                    <a16:rowId xmlns:a16="http://schemas.microsoft.com/office/drawing/2014/main" val="314191905"/>
+                  </a:ext>
+                </a:extLst>
+              </a:tr>
+              <a:tr h="506459">
+                <a:tc rowSpan="4">
+                  <a:txBody>
+                    <a:bodyPr/>
+                    <a:lstStyle/>
+                    <a:p>
+                      <a:pPr algn="ctr"/>
+                      <a:r>
+                        <a:rPr lang="zh-CN" sz="1800" kern="100">
+                          <a:effectLst/>
+                        </a:rPr>
+                        <a:t>分析网络监控数据</a:t>
+                      </a:r>
+                      <a:endParaRPr lang="zh-CN" sz="1800" kern="100">
+                        <a:effectLst/>
+                        <a:latin typeface="等线" panose="02010600030101010101" pitchFamily="2" charset="-122"/>
+                        <a:ea typeface="等线" panose="02010600030101010101" pitchFamily="2" charset="-122"/>
+                        <a:cs typeface="Times New Roman" panose="02020603050405020304" pitchFamily="18" charset="0"/>
+                      </a:endParaRPr>
+                    </a:p>
+                  </a:txBody>
+                  <a:tcPr marL="68580" marR="68580" marT="0" marB="0" anchor="ctr"/>
+                </a:tc>
+                <a:tc>
+                  <a:txBody>
+                    <a:bodyPr/>
+                    <a:lstStyle/>
+                    <a:p>
+                      <a:pPr algn="ctr"/>
+                      <a:r>
+                        <a:rPr lang="zh-CN" sz="1800" kern="100">
+                          <a:effectLst/>
+                        </a:rPr>
+                        <a:t>输入验证</a:t>
+                      </a:r>
+                      <a:endParaRPr lang="zh-CN" sz="1800" kern="100">
+                        <a:effectLst/>
+                        <a:latin typeface="等线" panose="02010600030101010101" pitchFamily="2" charset="-122"/>
+                        <a:ea typeface="等线" panose="02010600030101010101" pitchFamily="2" charset="-122"/>
+                        <a:cs typeface="Times New Roman" panose="02020603050405020304" pitchFamily="18" charset="0"/>
+                      </a:endParaRPr>
+                    </a:p>
+                  </a:txBody>
+                  <a:tcPr marL="68580" marR="68580" marT="0" marB="0" anchor="ctr"/>
+                </a:tc>
+                <a:tc>
+                  <a:txBody>
+                    <a:bodyPr/>
+                    <a:lstStyle/>
+                    <a:p>
+                      <a:pPr algn="l"/>
+                      <a:r>
+                        <a:rPr lang="zh-CN" sz="1800" kern="100">
+                          <a:effectLst/>
+                        </a:rPr>
+                        <a:t>判断读入的包是否是适当格式的网络监控数据</a:t>
+                      </a:r>
+                      <a:endParaRPr lang="zh-CN" sz="1800" kern="100">
+                        <a:effectLst/>
+                        <a:latin typeface="等线" panose="02010600030101010101" pitchFamily="2" charset="-122"/>
+                        <a:ea typeface="等线" panose="02010600030101010101" pitchFamily="2" charset="-122"/>
+                        <a:cs typeface="Times New Roman" panose="02020603050405020304" pitchFamily="18" charset="0"/>
+                      </a:endParaRPr>
+                    </a:p>
+                  </a:txBody>
+                  <a:tcPr marL="68580" marR="68580" marT="0" marB="0" anchor="ctr"/>
+                </a:tc>
+                <a:extLst>
+                  <a:ext uri="{0D108BD9-81ED-4DB2-BD59-A6C34878D82A}">
+                    <a16:rowId xmlns:a16="http://schemas.microsoft.com/office/drawing/2014/main" val="4212082935"/>
+                  </a:ext>
+                </a:extLst>
+              </a:tr>
+              <a:tr h="253230">
+                <a:tc vMerge="1">
+                  <a:txBody>
+                    <a:bodyPr/>
+                    <a:lstStyle/>
+                    <a:p>
+                      <a:endParaRPr lang="zh-CN" altLang="en-US"/>
+                    </a:p>
+                  </a:txBody>
+                  <a:tcPr/>
+                </a:tc>
+                <a:tc>
+                  <a:txBody>
+                    <a:bodyPr/>
+                    <a:lstStyle/>
+                    <a:p>
+                      <a:pPr algn="ctr"/>
+                      <a:r>
+                        <a:rPr lang="zh-CN" sz="1800" kern="100">
+                          <a:effectLst/>
+                        </a:rPr>
+                        <a:t>分析数据</a:t>
+                      </a:r>
+                      <a:endParaRPr lang="zh-CN" sz="1800" kern="100">
+                        <a:effectLst/>
+                        <a:latin typeface="等线" panose="02010600030101010101" pitchFamily="2" charset="-122"/>
+                        <a:ea typeface="等线" panose="02010600030101010101" pitchFamily="2" charset="-122"/>
+                        <a:cs typeface="Times New Roman" panose="02020603050405020304" pitchFamily="18" charset="0"/>
+                      </a:endParaRPr>
+                    </a:p>
+                  </a:txBody>
+                  <a:tcPr marL="68580" marR="68580" marT="0" marB="0" anchor="ctr"/>
+                </a:tc>
+                <a:tc>
+                  <a:txBody>
+                    <a:bodyPr/>
+                    <a:lstStyle/>
+                    <a:p>
+                      <a:pPr algn="l"/>
+                      <a:r>
+                        <a:rPr lang="en-US" sz="1800" kern="100">
+                          <a:effectLst/>
+                        </a:rPr>
+                        <a:t> </a:t>
+                      </a:r>
+                      <a:endParaRPr lang="zh-CN" sz="1800" kern="100">
+                        <a:effectLst/>
+                        <a:latin typeface="等线" panose="02010600030101010101" pitchFamily="2" charset="-122"/>
+                        <a:ea typeface="等线" panose="02010600030101010101" pitchFamily="2" charset="-122"/>
+                        <a:cs typeface="Times New Roman" panose="02020603050405020304" pitchFamily="18" charset="0"/>
+                      </a:endParaRPr>
+                    </a:p>
+                  </a:txBody>
+                  <a:tcPr marL="68580" marR="68580" marT="0" marB="0" anchor="ctr"/>
+                </a:tc>
+                <a:extLst>
+                  <a:ext uri="{0D108BD9-81ED-4DB2-BD59-A6C34878D82A}">
+                    <a16:rowId xmlns:a16="http://schemas.microsoft.com/office/drawing/2014/main" val="2383153199"/>
+                  </a:ext>
+                </a:extLst>
+              </a:tr>
+              <a:tr h="253230">
+                <a:tc vMerge="1">
+                  <a:txBody>
+                    <a:bodyPr/>
+                    <a:lstStyle/>
+                    <a:p>
+                      <a:endParaRPr lang="zh-CN" altLang="en-US"/>
+                    </a:p>
+                  </a:txBody>
+                  <a:tcPr/>
+                </a:tc>
+                <a:tc>
+                  <a:txBody>
+                    <a:bodyPr/>
+                    <a:lstStyle/>
+                    <a:p>
+                      <a:pPr algn="ctr"/>
+                      <a:r>
+                        <a:rPr lang="zh-CN" sz="1800" kern="100">
+                          <a:effectLst/>
+                        </a:rPr>
+                        <a:t>生成网络环境</a:t>
+                      </a:r>
+                      <a:endParaRPr lang="zh-CN" sz="1800" kern="100">
+                        <a:effectLst/>
+                        <a:latin typeface="等线" panose="02010600030101010101" pitchFamily="2" charset="-122"/>
+                        <a:ea typeface="等线" panose="02010600030101010101" pitchFamily="2" charset="-122"/>
+                        <a:cs typeface="Times New Roman" panose="02020603050405020304" pitchFamily="18" charset="0"/>
+                      </a:endParaRPr>
+                    </a:p>
+                  </a:txBody>
+                  <a:tcPr marL="68580" marR="68580" marT="0" marB="0" anchor="ctr"/>
+                </a:tc>
+                <a:tc>
+                  <a:txBody>
+                    <a:bodyPr/>
+                    <a:lstStyle/>
+                    <a:p>
+                      <a:pPr algn="l"/>
+                      <a:r>
+                        <a:rPr lang="zh-CN" sz="1800" kern="100">
+                          <a:effectLst/>
+                        </a:rPr>
+                        <a:t>生成由节点构成的网络环境</a:t>
+                      </a:r>
+                      <a:endParaRPr lang="zh-CN" sz="1800" kern="100">
+                        <a:effectLst/>
+                        <a:latin typeface="等线" panose="02010600030101010101" pitchFamily="2" charset="-122"/>
+                        <a:ea typeface="等线" panose="02010600030101010101" pitchFamily="2" charset="-122"/>
+                        <a:cs typeface="Times New Roman" panose="02020603050405020304" pitchFamily="18" charset="0"/>
+                      </a:endParaRPr>
+                    </a:p>
+                  </a:txBody>
+                  <a:tcPr marL="68580" marR="68580" marT="0" marB="0" anchor="ctr"/>
+                </a:tc>
+                <a:extLst>
+                  <a:ext uri="{0D108BD9-81ED-4DB2-BD59-A6C34878D82A}">
+                    <a16:rowId xmlns:a16="http://schemas.microsoft.com/office/drawing/2014/main" val="2823959738"/>
+                  </a:ext>
+                </a:extLst>
+              </a:tr>
+              <a:tr h="253230">
+                <a:tc vMerge="1">
+                  <a:txBody>
+                    <a:bodyPr/>
+                    <a:lstStyle/>
+                    <a:p>
+                      <a:endParaRPr lang="zh-CN" altLang="en-US"/>
+                    </a:p>
+                  </a:txBody>
+                  <a:tcPr/>
+                </a:tc>
+                <a:tc>
+                  <a:txBody>
+                    <a:bodyPr/>
+                    <a:lstStyle/>
+                    <a:p>
+                      <a:pPr algn="ctr"/>
+                      <a:r>
+                        <a:rPr lang="zh-CN" sz="1800" kern="100">
+                          <a:effectLst/>
+                        </a:rPr>
+                        <a:t>计算攻击过程</a:t>
+                      </a:r>
+                      <a:endParaRPr lang="zh-CN" sz="1800" kern="100">
+                        <a:effectLst/>
+                        <a:latin typeface="等线" panose="02010600030101010101" pitchFamily="2" charset="-122"/>
+                        <a:ea typeface="等线" panose="02010600030101010101" pitchFamily="2" charset="-122"/>
+                        <a:cs typeface="Times New Roman" panose="02020603050405020304" pitchFamily="18" charset="0"/>
+                      </a:endParaRPr>
+                    </a:p>
+                  </a:txBody>
+                  <a:tcPr marL="68580" marR="68580" marT="0" marB="0" anchor="ctr"/>
+                </a:tc>
+                <a:tc>
+                  <a:txBody>
+                    <a:bodyPr/>
+                    <a:lstStyle/>
+                    <a:p>
+                      <a:pPr algn="l"/>
+                      <a:r>
+                        <a:rPr lang="zh-CN" sz="1800" kern="100">
+                          <a:effectLst/>
+                        </a:rPr>
+                        <a:t>根据流量关系计算攻击过程</a:t>
+                      </a:r>
+                      <a:endParaRPr lang="zh-CN" sz="1800" kern="100">
+                        <a:effectLst/>
+                        <a:latin typeface="等线" panose="02010600030101010101" pitchFamily="2" charset="-122"/>
+                        <a:ea typeface="等线" panose="02010600030101010101" pitchFamily="2" charset="-122"/>
+                        <a:cs typeface="Times New Roman" panose="02020603050405020304" pitchFamily="18" charset="0"/>
+                      </a:endParaRPr>
+                    </a:p>
+                  </a:txBody>
+                  <a:tcPr marL="68580" marR="68580" marT="0" marB="0" anchor="ctr"/>
+                </a:tc>
+                <a:extLst>
+                  <a:ext uri="{0D108BD9-81ED-4DB2-BD59-A6C34878D82A}">
+                    <a16:rowId xmlns:a16="http://schemas.microsoft.com/office/drawing/2014/main" val="4281503617"/>
+                  </a:ext>
+                </a:extLst>
+              </a:tr>
+              <a:tr h="506459">
+                <a:tc rowSpan="7">
+                  <a:txBody>
+                    <a:bodyPr/>
+                    <a:lstStyle/>
+                    <a:p>
+                      <a:pPr algn="ctr"/>
+                      <a:r>
+                        <a:rPr lang="zh-CN" sz="1800" kern="100">
+                          <a:effectLst/>
+                        </a:rPr>
+                        <a:t>图形化显示</a:t>
+                      </a:r>
+                      <a:endParaRPr lang="zh-CN" sz="1800" kern="100">
+                        <a:effectLst/>
+                        <a:latin typeface="等线" panose="02010600030101010101" pitchFamily="2" charset="-122"/>
+                        <a:ea typeface="等线" panose="02010600030101010101" pitchFamily="2" charset="-122"/>
+                        <a:cs typeface="Times New Roman" panose="02020603050405020304" pitchFamily="18" charset="0"/>
+                      </a:endParaRPr>
+                    </a:p>
+                  </a:txBody>
+                  <a:tcPr marL="68580" marR="68580" marT="0" marB="0" anchor="ctr"/>
+                </a:tc>
+                <a:tc>
+                  <a:txBody>
+                    <a:bodyPr/>
+                    <a:lstStyle/>
+                    <a:p>
+                      <a:pPr algn="ctr"/>
+                      <a:r>
+                        <a:rPr lang="zh-CN" sz="1800" kern="100">
+                          <a:effectLst/>
+                        </a:rPr>
+                        <a:t>读入数据包</a:t>
+                      </a:r>
+                      <a:endParaRPr lang="zh-CN" sz="1800" kern="100">
+                        <a:effectLst/>
+                        <a:latin typeface="等线" panose="02010600030101010101" pitchFamily="2" charset="-122"/>
+                        <a:ea typeface="等线" panose="02010600030101010101" pitchFamily="2" charset="-122"/>
+                        <a:cs typeface="Times New Roman" panose="02020603050405020304" pitchFamily="18" charset="0"/>
+                      </a:endParaRPr>
+                    </a:p>
+                  </a:txBody>
+                  <a:tcPr marL="68580" marR="68580" marT="0" marB="0" anchor="ctr"/>
+                </a:tc>
+                <a:tc>
+                  <a:txBody>
+                    <a:bodyPr/>
+                    <a:lstStyle/>
+                    <a:p>
+                      <a:pPr algn="l"/>
+                      <a:r>
+                        <a:rPr lang="zh-CN" sz="1800" kern="100">
+                          <a:effectLst/>
+                        </a:rPr>
+                        <a:t>弹出窗口使用户可以指定读入数据包的路径</a:t>
+                      </a:r>
+                      <a:endParaRPr lang="zh-CN" sz="1800" kern="100">
+                        <a:effectLst/>
+                        <a:latin typeface="等线" panose="02010600030101010101" pitchFamily="2" charset="-122"/>
+                        <a:ea typeface="等线" panose="02010600030101010101" pitchFamily="2" charset="-122"/>
+                        <a:cs typeface="Times New Roman" panose="02020603050405020304" pitchFamily="18" charset="0"/>
+                      </a:endParaRPr>
+                    </a:p>
+                  </a:txBody>
+                  <a:tcPr marL="68580" marR="68580" marT="0" marB="0" anchor="ctr"/>
+                </a:tc>
+                <a:extLst>
+                  <a:ext uri="{0D108BD9-81ED-4DB2-BD59-A6C34878D82A}">
+                    <a16:rowId xmlns:a16="http://schemas.microsoft.com/office/drawing/2014/main" val="3964281781"/>
+                  </a:ext>
+                </a:extLst>
+              </a:tr>
+              <a:tr h="253230">
+                <a:tc vMerge="1">
+                  <a:txBody>
+                    <a:bodyPr/>
+                    <a:lstStyle/>
+                    <a:p>
+                      <a:endParaRPr lang="zh-CN" altLang="en-US"/>
+                    </a:p>
+                  </a:txBody>
+                  <a:tcPr/>
+                </a:tc>
+                <a:tc>
+                  <a:txBody>
+                    <a:bodyPr/>
+                    <a:lstStyle/>
+                    <a:p>
+                      <a:pPr algn="ctr"/>
+                      <a:r>
+                        <a:rPr lang="zh-CN" sz="1800" kern="100">
+                          <a:effectLst/>
+                        </a:rPr>
+                        <a:t>显示网络环境</a:t>
+                      </a:r>
+                      <a:endParaRPr lang="zh-CN" sz="1800" kern="100">
+                        <a:effectLst/>
+                        <a:latin typeface="等线" panose="02010600030101010101" pitchFamily="2" charset="-122"/>
+                        <a:ea typeface="等线" panose="02010600030101010101" pitchFamily="2" charset="-122"/>
+                        <a:cs typeface="Times New Roman" panose="02020603050405020304" pitchFamily="18" charset="0"/>
+                      </a:endParaRPr>
+                    </a:p>
+                  </a:txBody>
+                  <a:tcPr marL="68580" marR="68580" marT="0" marB="0" anchor="ctr"/>
+                </a:tc>
+                <a:tc>
+                  <a:txBody>
+                    <a:bodyPr/>
+                    <a:lstStyle/>
+                    <a:p>
+                      <a:pPr algn="l"/>
+                      <a:r>
+                        <a:rPr lang="zh-CN" sz="1800" kern="100">
+                          <a:effectLst/>
+                        </a:rPr>
+                        <a:t>显示数据包的整体网络环境</a:t>
+                      </a:r>
+                      <a:endParaRPr lang="zh-CN" sz="1800" kern="100">
+                        <a:effectLst/>
+                        <a:latin typeface="等线" panose="02010600030101010101" pitchFamily="2" charset="-122"/>
+                        <a:ea typeface="等线" panose="02010600030101010101" pitchFamily="2" charset="-122"/>
+                        <a:cs typeface="Times New Roman" panose="02020603050405020304" pitchFamily="18" charset="0"/>
+                      </a:endParaRPr>
+                    </a:p>
+                  </a:txBody>
+                  <a:tcPr marL="68580" marR="68580" marT="0" marB="0" anchor="ctr"/>
+                </a:tc>
+                <a:extLst>
+                  <a:ext uri="{0D108BD9-81ED-4DB2-BD59-A6C34878D82A}">
+                    <a16:rowId xmlns:a16="http://schemas.microsoft.com/office/drawing/2014/main" val="1224097179"/>
+                  </a:ext>
+                </a:extLst>
+              </a:tr>
+              <a:tr h="253230">
+                <a:tc vMerge="1">
+                  <a:txBody>
+                    <a:bodyPr/>
+                    <a:lstStyle/>
+                    <a:p>
+                      <a:endParaRPr lang="zh-CN" altLang="en-US"/>
+                    </a:p>
+                  </a:txBody>
+                  <a:tcPr/>
+                </a:tc>
+                <a:tc>
+                  <a:txBody>
+                    <a:bodyPr/>
+                    <a:lstStyle/>
+                    <a:p>
+                      <a:pPr algn="ctr"/>
+                      <a:r>
+                        <a:rPr lang="zh-CN" sz="1800" kern="100">
+                          <a:effectLst/>
+                        </a:rPr>
+                        <a:t>显示攻击过程</a:t>
+                      </a:r>
+                      <a:endParaRPr lang="zh-CN" sz="1800" kern="100">
+                        <a:effectLst/>
+                        <a:latin typeface="等线" panose="02010600030101010101" pitchFamily="2" charset="-122"/>
+                        <a:ea typeface="等线" panose="02010600030101010101" pitchFamily="2" charset="-122"/>
+                        <a:cs typeface="Times New Roman" panose="02020603050405020304" pitchFamily="18" charset="0"/>
+                      </a:endParaRPr>
+                    </a:p>
+                  </a:txBody>
+                  <a:tcPr marL="68580" marR="68580" marT="0" marB="0" anchor="ctr"/>
+                </a:tc>
+                <a:tc>
+                  <a:txBody>
+                    <a:bodyPr/>
+                    <a:lstStyle/>
+                    <a:p>
+                      <a:pPr algn="l"/>
+                      <a:r>
+                        <a:rPr lang="zh-CN" sz="1800" kern="100">
+                          <a:effectLst/>
+                        </a:rPr>
+                        <a:t>显示数据包内的指定攻击过程</a:t>
+                      </a:r>
+                      <a:endParaRPr lang="zh-CN" sz="1800" kern="100">
+                        <a:effectLst/>
+                        <a:latin typeface="等线" panose="02010600030101010101" pitchFamily="2" charset="-122"/>
+                        <a:ea typeface="等线" panose="02010600030101010101" pitchFamily="2" charset="-122"/>
+                        <a:cs typeface="Times New Roman" panose="02020603050405020304" pitchFamily="18" charset="0"/>
+                      </a:endParaRPr>
+                    </a:p>
+                  </a:txBody>
+                  <a:tcPr marL="68580" marR="68580" marT="0" marB="0" anchor="ctr"/>
+                </a:tc>
+                <a:extLst>
+                  <a:ext uri="{0D108BD9-81ED-4DB2-BD59-A6C34878D82A}">
+                    <a16:rowId xmlns:a16="http://schemas.microsoft.com/office/drawing/2014/main" val="2885277563"/>
+                  </a:ext>
+                </a:extLst>
+              </a:tr>
+              <a:tr h="506459">
+                <a:tc vMerge="1">
+                  <a:txBody>
+                    <a:bodyPr/>
+                    <a:lstStyle/>
+                    <a:p>
+                      <a:endParaRPr lang="zh-CN" altLang="en-US"/>
+                    </a:p>
+                  </a:txBody>
+                  <a:tcPr/>
+                </a:tc>
+                <a:tc>
+                  <a:txBody>
+                    <a:bodyPr/>
+                    <a:lstStyle/>
+                    <a:p>
+                      <a:pPr algn="ctr"/>
+                      <a:r>
+                        <a:rPr lang="zh-CN" sz="1800" kern="100">
+                          <a:effectLst/>
+                        </a:rPr>
+                        <a:t>选择时间范围</a:t>
+                      </a:r>
+                      <a:endParaRPr lang="zh-CN" sz="1800" kern="100">
+                        <a:effectLst/>
+                        <a:latin typeface="等线" panose="02010600030101010101" pitchFamily="2" charset="-122"/>
+                        <a:ea typeface="等线" panose="02010600030101010101" pitchFamily="2" charset="-122"/>
+                        <a:cs typeface="Times New Roman" panose="02020603050405020304" pitchFamily="18" charset="0"/>
+                      </a:endParaRPr>
+                    </a:p>
+                  </a:txBody>
+                  <a:tcPr marL="68580" marR="68580" marT="0" marB="0" anchor="ctr"/>
+                </a:tc>
+                <a:tc>
+                  <a:txBody>
+                    <a:bodyPr/>
+                    <a:lstStyle/>
+                    <a:p>
+                      <a:pPr algn="l"/>
+                      <a:r>
+                        <a:rPr lang="zh-CN" sz="1800" kern="100">
+                          <a:effectLst/>
+                        </a:rPr>
+                        <a:t>选择时间范围内的数据进行图形化显示</a:t>
+                      </a:r>
+                      <a:endParaRPr lang="zh-CN" sz="1800" kern="100">
+                        <a:effectLst/>
+                        <a:latin typeface="等线" panose="02010600030101010101" pitchFamily="2" charset="-122"/>
+                        <a:ea typeface="等线" panose="02010600030101010101" pitchFamily="2" charset="-122"/>
+                        <a:cs typeface="Times New Roman" panose="02020603050405020304" pitchFamily="18" charset="0"/>
+                      </a:endParaRPr>
+                    </a:p>
+                  </a:txBody>
+                  <a:tcPr marL="68580" marR="68580" marT="0" marB="0" anchor="ctr"/>
+                </a:tc>
+                <a:extLst>
+                  <a:ext uri="{0D108BD9-81ED-4DB2-BD59-A6C34878D82A}">
+                    <a16:rowId xmlns:a16="http://schemas.microsoft.com/office/drawing/2014/main" val="1466357066"/>
+                  </a:ext>
+                </a:extLst>
+              </a:tr>
+              <a:tr h="253230">
+                <a:tc vMerge="1">
+                  <a:txBody>
+                    <a:bodyPr/>
+                    <a:lstStyle/>
+                    <a:p>
+                      <a:endParaRPr lang="zh-CN" altLang="en-US"/>
+                    </a:p>
+                  </a:txBody>
+                  <a:tcPr/>
+                </a:tc>
+                <a:tc>
+                  <a:txBody>
+                    <a:bodyPr/>
+                    <a:lstStyle/>
+                    <a:p>
+                      <a:pPr algn="ctr"/>
+                      <a:r>
+                        <a:rPr lang="zh-CN" sz="1800" kern="100">
+                          <a:effectLst/>
+                        </a:rPr>
+                        <a:t>放大</a:t>
+                      </a:r>
+                      <a:endParaRPr lang="zh-CN" sz="1800" kern="100">
+                        <a:effectLst/>
+                        <a:latin typeface="等线" panose="02010600030101010101" pitchFamily="2" charset="-122"/>
+                        <a:ea typeface="等线" panose="02010600030101010101" pitchFamily="2" charset="-122"/>
+                        <a:cs typeface="Times New Roman" panose="02020603050405020304" pitchFamily="18" charset="0"/>
+                      </a:endParaRPr>
+                    </a:p>
+                  </a:txBody>
+                  <a:tcPr marL="68580" marR="68580" marT="0" marB="0" anchor="ctr"/>
+                </a:tc>
+                <a:tc>
+                  <a:txBody>
+                    <a:bodyPr/>
+                    <a:lstStyle/>
+                    <a:p>
+                      <a:pPr algn="l"/>
+                      <a:r>
+                        <a:rPr lang="zh-CN" sz="1800" kern="100">
+                          <a:effectLst/>
+                        </a:rPr>
+                        <a:t>放大图形显示</a:t>
+                      </a:r>
+                      <a:endParaRPr lang="zh-CN" sz="1800" kern="100">
+                        <a:effectLst/>
+                        <a:latin typeface="等线" panose="02010600030101010101" pitchFamily="2" charset="-122"/>
+                        <a:ea typeface="等线" panose="02010600030101010101" pitchFamily="2" charset="-122"/>
+                        <a:cs typeface="Times New Roman" panose="02020603050405020304" pitchFamily="18" charset="0"/>
+                      </a:endParaRPr>
+                    </a:p>
+                  </a:txBody>
+                  <a:tcPr marL="68580" marR="68580" marT="0" marB="0" anchor="ctr"/>
+                </a:tc>
+                <a:extLst>
+                  <a:ext uri="{0D108BD9-81ED-4DB2-BD59-A6C34878D82A}">
+                    <a16:rowId xmlns:a16="http://schemas.microsoft.com/office/drawing/2014/main" val="3311707425"/>
+                  </a:ext>
+                </a:extLst>
+              </a:tr>
+              <a:tr h="253230">
+                <a:tc vMerge="1">
+                  <a:txBody>
+                    <a:bodyPr/>
+                    <a:lstStyle/>
+                    <a:p>
+                      <a:endParaRPr lang="zh-CN" altLang="en-US"/>
+                    </a:p>
+                  </a:txBody>
+                  <a:tcPr/>
+                </a:tc>
+                <a:tc>
+                  <a:txBody>
+                    <a:bodyPr/>
+                    <a:lstStyle/>
+                    <a:p>
+                      <a:pPr algn="ctr"/>
+                      <a:r>
+                        <a:rPr lang="zh-CN" sz="1800" kern="100">
+                          <a:effectLst/>
+                        </a:rPr>
+                        <a:t>缩小</a:t>
+                      </a:r>
+                      <a:endParaRPr lang="zh-CN" sz="1800" kern="100">
+                        <a:effectLst/>
+                        <a:latin typeface="等线" panose="02010600030101010101" pitchFamily="2" charset="-122"/>
+                        <a:ea typeface="等线" panose="02010600030101010101" pitchFamily="2" charset="-122"/>
+                        <a:cs typeface="Times New Roman" panose="02020603050405020304" pitchFamily="18" charset="0"/>
+                      </a:endParaRPr>
+                    </a:p>
+                  </a:txBody>
+                  <a:tcPr marL="68580" marR="68580" marT="0" marB="0" anchor="ctr"/>
+                </a:tc>
+                <a:tc>
+                  <a:txBody>
+                    <a:bodyPr/>
+                    <a:lstStyle/>
+                    <a:p>
+                      <a:pPr algn="l"/>
+                      <a:r>
+                        <a:rPr lang="zh-CN" sz="1800" kern="100">
+                          <a:effectLst/>
+                        </a:rPr>
+                        <a:t>缩小图形显示</a:t>
+                      </a:r>
+                      <a:endParaRPr lang="zh-CN" sz="1800" kern="100">
+                        <a:effectLst/>
+                        <a:latin typeface="等线" panose="02010600030101010101" pitchFamily="2" charset="-122"/>
+                        <a:ea typeface="等线" panose="02010600030101010101" pitchFamily="2" charset="-122"/>
+                        <a:cs typeface="Times New Roman" panose="02020603050405020304" pitchFamily="18" charset="0"/>
+                      </a:endParaRPr>
+                    </a:p>
+                  </a:txBody>
+                  <a:tcPr marL="68580" marR="68580" marT="0" marB="0" anchor="ctr"/>
+                </a:tc>
+                <a:extLst>
+                  <a:ext uri="{0D108BD9-81ED-4DB2-BD59-A6C34878D82A}">
+                    <a16:rowId xmlns:a16="http://schemas.microsoft.com/office/drawing/2014/main" val="3601452376"/>
+                  </a:ext>
+                </a:extLst>
+              </a:tr>
+              <a:tr h="253230">
+                <a:tc vMerge="1">
+                  <a:txBody>
+                    <a:bodyPr/>
+                    <a:lstStyle/>
+                    <a:p>
+                      <a:endParaRPr lang="zh-CN" altLang="en-US"/>
+                    </a:p>
+                  </a:txBody>
+                  <a:tcPr/>
+                </a:tc>
+                <a:tc>
+                  <a:txBody>
+                    <a:bodyPr/>
+                    <a:lstStyle/>
+                    <a:p>
+                      <a:pPr algn="ctr"/>
+                      <a:r>
+                        <a:rPr lang="zh-CN" sz="1800" kern="100">
+                          <a:effectLst/>
+                        </a:rPr>
+                        <a:t>关闭</a:t>
+                      </a:r>
+                      <a:endParaRPr lang="zh-CN" sz="1800" kern="100">
+                        <a:effectLst/>
+                        <a:latin typeface="等线" panose="02010600030101010101" pitchFamily="2" charset="-122"/>
+                        <a:ea typeface="等线" panose="02010600030101010101" pitchFamily="2" charset="-122"/>
+                        <a:cs typeface="Times New Roman" panose="02020603050405020304" pitchFamily="18" charset="0"/>
+                      </a:endParaRPr>
+                    </a:p>
+                  </a:txBody>
+                  <a:tcPr marL="68580" marR="68580" marT="0" marB="0" anchor="ctr"/>
+                </a:tc>
+                <a:tc>
+                  <a:txBody>
+                    <a:bodyPr/>
+                    <a:lstStyle/>
+                    <a:p>
+                      <a:pPr algn="l"/>
+                      <a:r>
+                        <a:rPr lang="zh-CN" sz="1800" kern="100" dirty="0">
+                          <a:effectLst/>
+                        </a:rPr>
+                        <a:t>关闭当前数据包的图形化显示</a:t>
+                      </a:r>
+                      <a:endParaRPr lang="zh-CN" sz="1800" kern="100" dirty="0">
+                        <a:effectLst/>
+                        <a:latin typeface="等线" panose="02010600030101010101" pitchFamily="2" charset="-122"/>
+                        <a:ea typeface="等线" panose="02010600030101010101" pitchFamily="2" charset="-122"/>
+                        <a:cs typeface="Times New Roman" panose="02020603050405020304" pitchFamily="18" charset="0"/>
+                      </a:endParaRPr>
+                    </a:p>
+                  </a:txBody>
+                  <a:tcPr marL="68580" marR="68580" marT="0" marB="0" anchor="ctr"/>
+                </a:tc>
+                <a:extLst>
+                  <a:ext uri="{0D108BD9-81ED-4DB2-BD59-A6C34878D82A}">
+                    <a16:rowId xmlns:a16="http://schemas.microsoft.com/office/drawing/2014/main" val="520029848"/>
+                  </a:ext>
+                </a:extLst>
+              </a:tr>
+            </a:tbl>
+          </a:graphicData>
+        </a:graphic>
+      </p:graphicFrame>
     </p:spTree>
     <p:extLst>
       <p:ext uri="{BB962C8B-B14F-4D97-AF65-F5344CB8AC3E}">
-        <p14:creationId xmlns:p14="http://schemas.microsoft.com/office/powerpoint/2010/main" val="4140628639"/>
+        <p14:creationId xmlns:p14="http://schemas.microsoft.com/office/powerpoint/2010/main" val="3127726773"/>
       </p:ext>
     </p:extLst>
   </p:cSld>
@@ -24257,6 +25510,1733 @@
       </p:grpSpPr>
       <p:sp>
         <p:nvSpPr>
+          <p:cNvPr id="3" name="文本框 2">
+            <a:extLst>
+              <a:ext uri="{FF2B5EF4-FFF2-40B4-BE49-F238E27FC236}">
+                <a16:creationId xmlns:a16="http://schemas.microsoft.com/office/drawing/2014/main" id="{B4A148F6-8E66-4F73-A51C-2C0BA4B21E3F}"/>
+              </a:ext>
+            </a:extLst>
+          </p:cNvPr>
+          <p:cNvSpPr txBox="1"/>
+          <p:nvPr/>
+        </p:nvSpPr>
+        <p:spPr>
+          <a:xfrm>
+            <a:off x="4181382" y="1514617"/>
+            <a:ext cx="5992427" cy="3139321"/>
+          </a:xfrm>
+          <a:prstGeom prst="rect">
+            <a:avLst/>
+          </a:prstGeom>
+          <a:noFill/>
+        </p:spPr>
+        <p:txBody>
+          <a:bodyPr wrap="square" rtlCol="0">
+            <a:spAutoFit/>
+          </a:bodyPr>
+          <a:lstStyle/>
+          <a:p>
+            <a:pPr marL="285750" indent="-285750" algn="just">
+              <a:buFont typeface="Arial" panose="020B0604020202020204" pitchFamily="34" charset="0"/>
+              <a:buChar char="•"/>
+            </a:pPr>
+            <a:r>
+              <a:rPr lang="zh-CN" altLang="zh-CN" sz="1800" b="1" kern="100" dirty="0">
+                <a:effectLst/>
+                <a:latin typeface="等线" panose="02010600030101010101" pitchFamily="2" charset="-122"/>
+                <a:ea typeface="等线" panose="02010600030101010101" pitchFamily="2" charset="-122"/>
+                <a:cs typeface="Times New Roman" panose="02020603050405020304" pitchFamily="18" charset="0"/>
+              </a:rPr>
+              <a:t>其他需求</a:t>
+            </a:r>
+            <a:endParaRPr lang="zh-CN" altLang="zh-CN" sz="1800" kern="100" dirty="0">
+              <a:effectLst/>
+              <a:latin typeface="等线" panose="02010600030101010101" pitchFamily="2" charset="-122"/>
+              <a:ea typeface="等线" panose="02010600030101010101" pitchFamily="2" charset="-122"/>
+              <a:cs typeface="Times New Roman" panose="02020603050405020304" pitchFamily="18" charset="0"/>
+            </a:endParaRPr>
+          </a:p>
+          <a:p>
+            <a:pPr algn="just"/>
+            <a:r>
+              <a:rPr lang="en-US" altLang="zh-CN" sz="1800" kern="100" dirty="0">
+                <a:effectLst/>
+                <a:latin typeface="等线" panose="02010600030101010101" pitchFamily="2" charset="-122"/>
+                <a:ea typeface="等线" panose="02010600030101010101" pitchFamily="2" charset="-122"/>
+                <a:cs typeface="Times New Roman" panose="02020603050405020304" pitchFamily="18" charset="0"/>
+              </a:rPr>
+              <a:t>	</a:t>
+            </a:r>
+            <a:r>
+              <a:rPr lang="en-US" altLang="zh-CN" sz="1800" kern="100" dirty="0">
+                <a:effectLst/>
+                <a:latin typeface="黑体" panose="02010609060101010101" pitchFamily="49" charset="-122"/>
+                <a:ea typeface="等线" panose="02010600030101010101" pitchFamily="2" charset="-122"/>
+                <a:cs typeface="Times New Roman" panose="02020603050405020304" pitchFamily="18" charset="0"/>
+              </a:rPr>
+              <a:t>1.</a:t>
+            </a:r>
+            <a:r>
+              <a:rPr lang="zh-CN" altLang="zh-CN" sz="1800" kern="100" dirty="0">
+                <a:effectLst/>
+                <a:latin typeface="等线" panose="02010600030101010101" pitchFamily="2" charset="-122"/>
+                <a:ea typeface="黑体" panose="02010609060101010101" pitchFamily="49" charset="-122"/>
+                <a:cs typeface="Times New Roman" panose="02020603050405020304" pitchFamily="18" charset="0"/>
+              </a:rPr>
+              <a:t>性能需求</a:t>
+            </a:r>
+            <a:endParaRPr lang="zh-CN" altLang="zh-CN" sz="1800" kern="100" dirty="0">
+              <a:effectLst/>
+              <a:latin typeface="等线" panose="02010600030101010101" pitchFamily="2" charset="-122"/>
+              <a:ea typeface="等线" panose="02010600030101010101" pitchFamily="2" charset="-122"/>
+              <a:cs typeface="Times New Roman" panose="02020603050405020304" pitchFamily="18" charset="0"/>
+            </a:endParaRPr>
+          </a:p>
+          <a:p>
+            <a:pPr algn="just"/>
+            <a:r>
+              <a:rPr lang="en-US" altLang="zh-CN" sz="1800" kern="100" dirty="0">
+                <a:effectLst/>
+                <a:latin typeface="等线" panose="02010600030101010101" pitchFamily="2" charset="-122"/>
+                <a:ea typeface="等线" panose="02010600030101010101" pitchFamily="2" charset="-122"/>
+                <a:cs typeface="Times New Roman" panose="02020603050405020304" pitchFamily="18" charset="0"/>
+              </a:rPr>
+              <a:t>	</a:t>
+            </a:r>
+            <a:r>
+              <a:rPr lang="zh-CN" altLang="zh-CN" sz="1800" kern="100" dirty="0">
+                <a:effectLst/>
+                <a:latin typeface="等线" panose="02010600030101010101" pitchFamily="2" charset="-122"/>
+                <a:ea typeface="等线" panose="02010600030101010101" pitchFamily="2" charset="-122"/>
+                <a:cs typeface="Times New Roman" panose="02020603050405020304" pitchFamily="18" charset="0"/>
+              </a:rPr>
+              <a:t>应当支持</a:t>
+            </a:r>
+            <a:r>
+              <a:rPr lang="en-US" altLang="zh-CN" sz="1800" kern="100" dirty="0">
+                <a:effectLst/>
+                <a:latin typeface="等线" panose="02010600030101010101" pitchFamily="2" charset="-122"/>
+                <a:ea typeface="等线" panose="02010600030101010101" pitchFamily="2" charset="-122"/>
+                <a:cs typeface="Times New Roman" panose="02020603050405020304" pitchFamily="18" charset="0"/>
+              </a:rPr>
+              <a:t>5000</a:t>
+            </a:r>
+            <a:r>
+              <a:rPr lang="zh-CN" altLang="zh-CN" sz="1800" kern="100" dirty="0">
+                <a:effectLst/>
+                <a:latin typeface="等线" panose="02010600030101010101" pitchFamily="2" charset="-122"/>
+                <a:ea typeface="等线" panose="02010600030101010101" pitchFamily="2" charset="-122"/>
+                <a:cs typeface="Times New Roman" panose="02020603050405020304" pitchFamily="18" charset="0"/>
+              </a:rPr>
+              <a:t>以上节点的分析和显示</a:t>
+            </a:r>
+          </a:p>
+          <a:p>
+            <a:pPr algn="just"/>
+            <a:r>
+              <a:rPr lang="en-US" altLang="zh-CN" sz="1800" kern="100" dirty="0">
+                <a:effectLst/>
+                <a:latin typeface="等线" panose="02010600030101010101" pitchFamily="2" charset="-122"/>
+                <a:ea typeface="等线" panose="02010600030101010101" pitchFamily="2" charset="-122"/>
+                <a:cs typeface="Times New Roman" panose="02020603050405020304" pitchFamily="18" charset="0"/>
+              </a:rPr>
+              <a:t>	</a:t>
+            </a:r>
+            <a:r>
+              <a:rPr lang="zh-CN" altLang="zh-CN" sz="1800" kern="100" dirty="0">
+                <a:effectLst/>
+                <a:latin typeface="等线" panose="02010600030101010101" pitchFamily="2" charset="-122"/>
+                <a:ea typeface="等线" panose="02010600030101010101" pitchFamily="2" charset="-122"/>
+                <a:cs typeface="Times New Roman" panose="02020603050405020304" pitchFamily="18" charset="0"/>
+              </a:rPr>
+              <a:t>应当支持变速显示</a:t>
+            </a:r>
+          </a:p>
+          <a:p>
+            <a:pPr algn="just"/>
+            <a:r>
+              <a:rPr lang="en-US" altLang="zh-CN" sz="1800" kern="100" dirty="0">
+                <a:effectLst/>
+                <a:latin typeface="等线" panose="02010600030101010101" pitchFamily="2" charset="-122"/>
+                <a:ea typeface="等线" panose="02010600030101010101" pitchFamily="2" charset="-122"/>
+                <a:cs typeface="Times New Roman" panose="02020603050405020304" pitchFamily="18" charset="0"/>
+              </a:rPr>
+              <a:t>	</a:t>
+            </a:r>
+            <a:endParaRPr lang="zh-CN" altLang="zh-CN" sz="1800" kern="100" dirty="0">
+              <a:effectLst/>
+              <a:latin typeface="等线" panose="02010600030101010101" pitchFamily="2" charset="-122"/>
+              <a:ea typeface="等线" panose="02010600030101010101" pitchFamily="2" charset="-122"/>
+              <a:cs typeface="Times New Roman" panose="02020603050405020304" pitchFamily="18" charset="0"/>
+            </a:endParaRPr>
+          </a:p>
+          <a:p>
+            <a:pPr algn="just"/>
+            <a:r>
+              <a:rPr lang="en-US" altLang="zh-CN" sz="1800" kern="100" dirty="0">
+                <a:effectLst/>
+                <a:latin typeface="等线" panose="02010600030101010101" pitchFamily="2" charset="-122"/>
+                <a:ea typeface="等线" panose="02010600030101010101" pitchFamily="2" charset="-122"/>
+                <a:cs typeface="Times New Roman" panose="02020603050405020304" pitchFamily="18" charset="0"/>
+              </a:rPr>
+              <a:t>	</a:t>
+            </a:r>
+            <a:r>
+              <a:rPr lang="en-US" altLang="zh-CN" sz="1800" kern="100" dirty="0">
+                <a:effectLst/>
+                <a:latin typeface="黑体" panose="02010609060101010101" pitchFamily="49" charset="-122"/>
+                <a:ea typeface="等线" panose="02010600030101010101" pitchFamily="2" charset="-122"/>
+                <a:cs typeface="Times New Roman" panose="02020603050405020304" pitchFamily="18" charset="0"/>
+              </a:rPr>
+              <a:t>2.</a:t>
+            </a:r>
+            <a:r>
+              <a:rPr lang="zh-CN" altLang="zh-CN" sz="1800" kern="100" dirty="0">
+                <a:effectLst/>
+                <a:latin typeface="等线" panose="02010600030101010101" pitchFamily="2" charset="-122"/>
+                <a:ea typeface="黑体" panose="02010609060101010101" pitchFamily="49" charset="-122"/>
+                <a:cs typeface="Times New Roman" panose="02020603050405020304" pitchFamily="18" charset="0"/>
+              </a:rPr>
+              <a:t>扩展需求</a:t>
+            </a:r>
+            <a:endParaRPr lang="zh-CN" altLang="zh-CN" sz="1800" kern="100" dirty="0">
+              <a:effectLst/>
+              <a:latin typeface="等线" panose="02010600030101010101" pitchFamily="2" charset="-122"/>
+              <a:ea typeface="等线" panose="02010600030101010101" pitchFamily="2" charset="-122"/>
+              <a:cs typeface="Times New Roman" panose="02020603050405020304" pitchFamily="18" charset="0"/>
+            </a:endParaRPr>
+          </a:p>
+          <a:p>
+            <a:pPr algn="just"/>
+            <a:r>
+              <a:rPr lang="en-US" altLang="zh-CN" sz="1800" kern="100" dirty="0">
+                <a:effectLst/>
+                <a:latin typeface="等线" panose="02010600030101010101" pitchFamily="2" charset="-122"/>
+                <a:ea typeface="等线" panose="02010600030101010101" pitchFamily="2" charset="-122"/>
+                <a:cs typeface="Times New Roman" panose="02020603050405020304" pitchFamily="18" charset="0"/>
+              </a:rPr>
+              <a:t>	</a:t>
+            </a:r>
+            <a:r>
+              <a:rPr lang="zh-CN" altLang="zh-CN" sz="1800" kern="100" dirty="0">
+                <a:effectLst/>
+                <a:latin typeface="等线" panose="02010600030101010101" pitchFamily="2" charset="-122"/>
+                <a:ea typeface="等线" panose="02010600030101010101" pitchFamily="2" charset="-122"/>
+                <a:cs typeface="Times New Roman" panose="02020603050405020304" pitchFamily="18" charset="0"/>
+              </a:rPr>
+              <a:t>支持显示流量大小</a:t>
+            </a:r>
+          </a:p>
+          <a:p>
+            <a:pPr algn="just"/>
+            <a:r>
+              <a:rPr lang="en-US" altLang="zh-CN" sz="1800" kern="100" dirty="0">
+                <a:effectLst/>
+                <a:latin typeface="等线" panose="02010600030101010101" pitchFamily="2" charset="-122"/>
+                <a:ea typeface="等线" panose="02010600030101010101" pitchFamily="2" charset="-122"/>
+                <a:cs typeface="Times New Roman" panose="02020603050405020304" pitchFamily="18" charset="0"/>
+              </a:rPr>
+              <a:t> </a:t>
+            </a:r>
+            <a:endParaRPr lang="zh-CN" altLang="zh-CN" sz="1800" kern="100" dirty="0">
+              <a:effectLst/>
+              <a:latin typeface="等线" panose="02010600030101010101" pitchFamily="2" charset="-122"/>
+              <a:ea typeface="等线" panose="02010600030101010101" pitchFamily="2" charset="-122"/>
+              <a:cs typeface="Times New Roman" panose="02020603050405020304" pitchFamily="18" charset="0"/>
+            </a:endParaRPr>
+          </a:p>
+          <a:p>
+            <a:pPr marL="285750" indent="-285750" algn="just">
+              <a:buFont typeface="Arial" panose="020B0604020202020204" pitchFamily="34" charset="0"/>
+              <a:buChar char="•"/>
+            </a:pPr>
+            <a:r>
+              <a:rPr lang="zh-CN" altLang="zh-CN" sz="1800" kern="100" dirty="0">
+                <a:effectLst/>
+                <a:latin typeface="等线" panose="02010600030101010101" pitchFamily="2" charset="-122"/>
+                <a:ea typeface="黑体" panose="02010609060101010101" pitchFamily="49" charset="-122"/>
+                <a:cs typeface="Times New Roman" panose="02020603050405020304" pitchFamily="18" charset="0"/>
+              </a:rPr>
+              <a:t>产品提交</a:t>
+            </a:r>
+            <a:endParaRPr lang="zh-CN" altLang="zh-CN" sz="1800" kern="100" dirty="0">
+              <a:effectLst/>
+              <a:latin typeface="等线" panose="02010600030101010101" pitchFamily="2" charset="-122"/>
+              <a:ea typeface="等线" panose="02010600030101010101" pitchFamily="2" charset="-122"/>
+              <a:cs typeface="Times New Roman" panose="02020603050405020304" pitchFamily="18" charset="0"/>
+            </a:endParaRPr>
+          </a:p>
+          <a:p>
+            <a:pPr algn="just"/>
+            <a:r>
+              <a:rPr lang="en-US" altLang="zh-CN" sz="1800" kern="100" dirty="0">
+                <a:effectLst/>
+                <a:latin typeface="等线" panose="02010600030101010101" pitchFamily="2" charset="-122"/>
+                <a:ea typeface="等线" panose="02010600030101010101" pitchFamily="2" charset="-122"/>
+                <a:cs typeface="Times New Roman" panose="02020603050405020304" pitchFamily="18" charset="0"/>
+              </a:rPr>
+              <a:t>	</a:t>
+            </a:r>
+            <a:r>
+              <a:rPr lang="zh-CN" altLang="zh-CN" sz="1800" kern="100" dirty="0">
+                <a:effectLst/>
+                <a:latin typeface="等线" panose="02010600030101010101" pitchFamily="2" charset="-122"/>
+                <a:ea typeface="等线" panose="02010600030101010101" pitchFamily="2" charset="-122"/>
+                <a:cs typeface="Times New Roman" panose="02020603050405020304" pitchFamily="18" charset="0"/>
+              </a:rPr>
+              <a:t>应当提交一份可在</a:t>
+            </a:r>
+            <a:r>
+              <a:rPr lang="en-US" altLang="zh-CN" sz="1800" kern="100" dirty="0">
+                <a:effectLst/>
+                <a:latin typeface="等线" panose="02010600030101010101" pitchFamily="2" charset="-122"/>
+                <a:ea typeface="等线" panose="02010600030101010101" pitchFamily="2" charset="-122"/>
+                <a:cs typeface="Times New Roman" panose="02020603050405020304" pitchFamily="18" charset="0"/>
+              </a:rPr>
+              <a:t>Windows 10</a:t>
+            </a:r>
+            <a:r>
+              <a:rPr lang="zh-CN" altLang="zh-CN" sz="1800" kern="100" dirty="0">
+                <a:effectLst/>
+                <a:latin typeface="等线" panose="02010600030101010101" pitchFamily="2" charset="-122"/>
+                <a:ea typeface="等线" panose="02010600030101010101" pitchFamily="2" charset="-122"/>
+                <a:cs typeface="Times New Roman" panose="02020603050405020304" pitchFamily="18" charset="0"/>
+              </a:rPr>
+              <a:t>计算机操作系统上使用的安装包，同时提交用户使用手册。</a:t>
+            </a:r>
+          </a:p>
+        </p:txBody>
+      </p:sp>
+      <p:sp>
+        <p:nvSpPr>
+          <p:cNvPr id="4" name="文本框 3">
+            <a:extLst>
+              <a:ext uri="{FF2B5EF4-FFF2-40B4-BE49-F238E27FC236}">
+                <a16:creationId xmlns:a16="http://schemas.microsoft.com/office/drawing/2014/main" id="{52997A8E-61C4-49A6-B3A3-572451C8D716}"/>
+              </a:ext>
+            </a:extLst>
+          </p:cNvPr>
+          <p:cNvSpPr txBox="1"/>
+          <p:nvPr/>
+        </p:nvSpPr>
+        <p:spPr>
+          <a:xfrm>
+            <a:off x="1609076" y="1361849"/>
+            <a:ext cx="3045530" cy="461665"/>
+          </a:xfrm>
+          <a:prstGeom prst="rect">
+            <a:avLst/>
+          </a:prstGeom>
+          <a:noFill/>
+        </p:spPr>
+        <p:txBody>
+          <a:bodyPr wrap="square" rtlCol="0">
+            <a:spAutoFit/>
+          </a:bodyPr>
+          <a:lstStyle/>
+          <a:p>
+            <a:r>
+              <a:rPr lang="zh-CN" altLang="en-US" sz="2400" b="1" spc="300" dirty="0">
+                <a:latin typeface="Arial"/>
+                <a:ea typeface="微软雅黑"/>
+                <a:sym typeface="Arial"/>
+              </a:rPr>
+              <a:t>需求分析</a:t>
+            </a:r>
+          </a:p>
+        </p:txBody>
+      </p:sp>
+      <p:sp>
+        <p:nvSpPr>
+          <p:cNvPr id="5" name="灯片编号占位符 14">
+            <a:extLst>
+              <a:ext uri="{FF2B5EF4-FFF2-40B4-BE49-F238E27FC236}">
+                <a16:creationId xmlns:a16="http://schemas.microsoft.com/office/drawing/2014/main" id="{2AD5E4AE-7626-4904-B6CF-8BDDA443EF28}"/>
+              </a:ext>
+            </a:extLst>
+          </p:cNvPr>
+          <p:cNvSpPr>
+            <a:spLocks noGrp="1"/>
+          </p:cNvSpPr>
+          <p:nvPr>
+            <p:ph type="sldNum" sz="quarter" idx="12"/>
+          </p:nvPr>
+        </p:nvSpPr>
+        <p:spPr>
+          <a:xfrm>
+            <a:off x="11161486" y="6139726"/>
+            <a:ext cx="1003970" cy="365125"/>
+          </a:xfrm>
+        </p:spPr>
+        <p:txBody>
+          <a:bodyPr/>
+          <a:lstStyle/>
+          <a:p>
+            <a:r>
+              <a:rPr lang="en-GB" altLang="zh-CN" sz="1050" spc="300" dirty="0">
+                <a:solidFill>
+                  <a:srgbClr val="525252"/>
+                </a:solidFill>
+                <a:latin typeface="Arial"/>
+                <a:ea typeface="微软雅黑"/>
+                <a:sym typeface="Arial"/>
+              </a:rPr>
+              <a:t>Page</a:t>
+            </a:r>
+            <a:r>
+              <a:rPr lang="zh-CN" altLang="en-US" sz="1050" spc="300" dirty="0">
+                <a:solidFill>
+                  <a:srgbClr val="525252"/>
+                </a:solidFill>
+                <a:latin typeface="Arial"/>
+                <a:ea typeface="微软雅黑"/>
+                <a:sym typeface="Arial"/>
+              </a:rPr>
+              <a:t> </a:t>
+            </a:r>
+            <a:fld id="{2C876148-9C27-4B1D-AF05-A3522A5FE3E3}" type="slidenum">
+              <a:rPr lang="zh-CN" altLang="en-US" sz="1050" spc="300" smtClean="0">
+                <a:solidFill>
+                  <a:srgbClr val="525252"/>
+                </a:solidFill>
+                <a:latin typeface="Arial"/>
+                <a:ea typeface="微软雅黑"/>
+                <a:sym typeface="Arial"/>
+              </a:rPr>
+              <a:t>20</a:t>
+            </a:fld>
+            <a:endParaRPr lang="zh-CN" altLang="en-US" sz="1050" spc="300" dirty="0">
+              <a:solidFill>
+                <a:srgbClr val="525252"/>
+              </a:solidFill>
+              <a:latin typeface="Arial"/>
+              <a:ea typeface="微软雅黑"/>
+              <a:sym typeface="Arial"/>
+            </a:endParaRPr>
+          </a:p>
+        </p:txBody>
+      </p:sp>
+      <p:sp>
+        <p:nvSpPr>
+          <p:cNvPr id="7" name="椭圆 6">
+            <a:extLst>
+              <a:ext uri="{FF2B5EF4-FFF2-40B4-BE49-F238E27FC236}">
+                <a16:creationId xmlns:a16="http://schemas.microsoft.com/office/drawing/2014/main" id="{E2B65D1E-CE87-4BF3-A01E-A6979B2B9E34}"/>
+              </a:ext>
+            </a:extLst>
+          </p:cNvPr>
+          <p:cNvSpPr/>
+          <p:nvPr/>
+        </p:nvSpPr>
+        <p:spPr>
+          <a:xfrm flipH="1">
+            <a:off x="924044" y="3718432"/>
+            <a:ext cx="2404329" cy="2404329"/>
+          </a:xfrm>
+          <a:prstGeom prst="ellipse">
+            <a:avLst/>
+          </a:prstGeom>
+          <a:noFill/>
+          <a:ln>
+            <a:solidFill>
+              <a:srgbClr val="525252"/>
+            </a:solidFill>
+          </a:ln>
+        </p:spPr>
+        <p:style>
+          <a:lnRef idx="2">
+            <a:schemeClr val="accent1">
+              <a:shade val="50000"/>
+            </a:schemeClr>
+          </a:lnRef>
+          <a:fillRef idx="1">
+            <a:schemeClr val="accent1"/>
+          </a:fillRef>
+          <a:effectRef idx="0">
+            <a:schemeClr val="accent1"/>
+          </a:effectRef>
+          <a:fontRef idx="minor">
+            <a:schemeClr val="lt1"/>
+          </a:fontRef>
+        </p:style>
+        <p:txBody>
+          <a:bodyPr rtlCol="0" anchor="ctr"/>
+          <a:lstStyle/>
+          <a:p>
+            <a:pPr algn="ctr"/>
+            <a:endParaRPr lang="zh-CN" altLang="en-US">
+              <a:latin typeface="Arial"/>
+              <a:ea typeface="微软雅黑"/>
+              <a:sym typeface="Arial"/>
+            </a:endParaRPr>
+          </a:p>
+        </p:txBody>
+      </p:sp>
+      <p:sp>
+        <p:nvSpPr>
+          <p:cNvPr id="9" name="椭圆 8">
+            <a:extLst>
+              <a:ext uri="{FF2B5EF4-FFF2-40B4-BE49-F238E27FC236}">
+                <a16:creationId xmlns:a16="http://schemas.microsoft.com/office/drawing/2014/main" id="{3A53727B-A20A-45C4-9E38-C556B6BB0946}"/>
+              </a:ext>
+            </a:extLst>
+          </p:cNvPr>
+          <p:cNvSpPr/>
+          <p:nvPr/>
+        </p:nvSpPr>
+        <p:spPr>
+          <a:xfrm flipH="1">
+            <a:off x="2750101" y="4345041"/>
+            <a:ext cx="1151111" cy="1151110"/>
+          </a:xfrm>
+          <a:prstGeom prst="ellipse">
+            <a:avLst/>
+          </a:prstGeom>
+          <a:solidFill>
+            <a:srgbClr val="F36460"/>
+          </a:solidFill>
+          <a:ln>
+            <a:noFill/>
+          </a:ln>
+        </p:spPr>
+        <p:style>
+          <a:lnRef idx="2">
+            <a:schemeClr val="accent1">
+              <a:shade val="50000"/>
+            </a:schemeClr>
+          </a:lnRef>
+          <a:fillRef idx="1">
+            <a:schemeClr val="accent1"/>
+          </a:fillRef>
+          <a:effectRef idx="0">
+            <a:schemeClr val="accent1"/>
+          </a:effectRef>
+          <a:fontRef idx="minor">
+            <a:schemeClr val="lt1"/>
+          </a:fontRef>
+        </p:style>
+        <p:txBody>
+          <a:bodyPr rtlCol="0" anchor="ctr"/>
+          <a:lstStyle/>
+          <a:p>
+            <a:pPr algn="ctr"/>
+            <a:endParaRPr lang="zh-CN" altLang="en-US">
+              <a:latin typeface="Arial"/>
+              <a:ea typeface="微软雅黑"/>
+              <a:sym typeface="Arial"/>
+            </a:endParaRPr>
+          </a:p>
+        </p:txBody>
+      </p:sp>
+    </p:spTree>
+    <p:extLst>
+      <p:ext uri="{BB962C8B-B14F-4D97-AF65-F5344CB8AC3E}">
+        <p14:creationId xmlns:p14="http://schemas.microsoft.com/office/powerpoint/2010/main" val="908055592"/>
+      </p:ext>
+    </p:extLst>
+  </p:cSld>
+  <p:clrMapOvr>
+    <a:masterClrMapping/>
+  </p:clrMapOvr>
+  <p:transition>
+    <p:push dir="u"/>
+  </p:transition>
+</p:sld>
+</file>
+
+<file path=ppt/slides/slide21.xml><?xml version="1.0" encoding="utf-8"?>
+<p:sld xmlns:a="http://schemas.openxmlformats.org/drawingml/2006/main" xmlns:r="http://schemas.openxmlformats.org/officeDocument/2006/relationships" xmlns:p="http://schemas.openxmlformats.org/presentationml/2006/main">
+  <p:cSld>
+    <p:spTree>
+      <p:nvGrpSpPr>
+        <p:cNvPr id="1" name=""/>
+        <p:cNvGrpSpPr/>
+        <p:nvPr/>
+      </p:nvGrpSpPr>
+      <p:grpSpPr>
+        <a:xfrm>
+          <a:off x="0" y="0"/>
+          <a:ext cx="0" cy="0"/>
+          <a:chOff x="0" y="0"/>
+          <a:chExt cx="0" cy="0"/>
+        </a:xfrm>
+      </p:grpSpPr>
+      <p:sp>
+        <p:nvSpPr>
+          <p:cNvPr id="3" name="文本框 2">
+            <a:extLst>
+              <a:ext uri="{FF2B5EF4-FFF2-40B4-BE49-F238E27FC236}">
+                <a16:creationId xmlns:a16="http://schemas.microsoft.com/office/drawing/2014/main" id="{4FC0A096-E7BB-4D1A-96A0-ADAC2446919D}"/>
+              </a:ext>
+            </a:extLst>
+          </p:cNvPr>
+          <p:cNvSpPr txBox="1"/>
+          <p:nvPr/>
+        </p:nvSpPr>
+        <p:spPr>
+          <a:xfrm>
+            <a:off x="1002244" y="626503"/>
+            <a:ext cx="3045530" cy="461665"/>
+          </a:xfrm>
+          <a:prstGeom prst="rect">
+            <a:avLst/>
+          </a:prstGeom>
+          <a:noFill/>
+        </p:spPr>
+        <p:txBody>
+          <a:bodyPr wrap="square" rtlCol="0">
+            <a:spAutoFit/>
+          </a:bodyPr>
+          <a:lstStyle/>
+          <a:p>
+            <a:r>
+              <a:rPr lang="zh-CN" altLang="en-US" sz="2400" b="1" spc="300" dirty="0">
+                <a:latin typeface="Arial"/>
+                <a:ea typeface="微软雅黑"/>
+                <a:sym typeface="Arial"/>
+              </a:rPr>
+              <a:t>需求分析</a:t>
+            </a:r>
+          </a:p>
+        </p:txBody>
+      </p:sp>
+      <p:sp>
+        <p:nvSpPr>
+          <p:cNvPr id="5" name="文本框 4">
+            <a:extLst>
+              <a:ext uri="{FF2B5EF4-FFF2-40B4-BE49-F238E27FC236}">
+                <a16:creationId xmlns:a16="http://schemas.microsoft.com/office/drawing/2014/main" id="{F35D7D24-CAB2-4E80-B1AB-82683CC957F7}"/>
+              </a:ext>
+            </a:extLst>
+          </p:cNvPr>
+          <p:cNvSpPr txBox="1"/>
+          <p:nvPr/>
+        </p:nvSpPr>
+        <p:spPr>
+          <a:xfrm>
+            <a:off x="1002244" y="2279720"/>
+            <a:ext cx="5699633" cy="450829"/>
+          </a:xfrm>
+          <a:prstGeom prst="rect">
+            <a:avLst/>
+          </a:prstGeom>
+          <a:noFill/>
+        </p:spPr>
+        <p:txBody>
+          <a:bodyPr wrap="square" rtlCol="0">
+            <a:spAutoFit/>
+          </a:bodyPr>
+          <a:lstStyle/>
+          <a:p>
+            <a:pPr marL="285750" indent="-285750" algn="just">
+              <a:lnSpc>
+                <a:spcPct val="130000"/>
+              </a:lnSpc>
+              <a:buFont typeface="Arial" panose="020B0604020202020204" pitchFamily="34" charset="0"/>
+              <a:buChar char="•"/>
+            </a:pPr>
+            <a:r>
+              <a:rPr lang="zh-CN" altLang="en-US" sz="2000" dirty="0">
+                <a:solidFill>
+                  <a:srgbClr val="525252"/>
+                </a:solidFill>
+                <a:latin typeface="Arial"/>
+                <a:ea typeface="微软雅黑"/>
+                <a:sym typeface="Arial"/>
+              </a:rPr>
+              <a:t>用例图</a:t>
+            </a:r>
+            <a:endParaRPr lang="en-GB" altLang="zh-CN" sz="2000" dirty="0">
+              <a:solidFill>
+                <a:srgbClr val="525252"/>
+              </a:solidFill>
+              <a:latin typeface="Arial"/>
+              <a:ea typeface="微软雅黑"/>
+              <a:sym typeface="Arial"/>
+            </a:endParaRPr>
+          </a:p>
+        </p:txBody>
+      </p:sp>
+      <p:pic>
+        <p:nvPicPr>
+          <p:cNvPr id="7" name="图片 6">
+            <a:extLst>
+              <a:ext uri="{FF2B5EF4-FFF2-40B4-BE49-F238E27FC236}">
+                <a16:creationId xmlns:a16="http://schemas.microsoft.com/office/drawing/2014/main" id="{7D13BAF4-2149-46C9-832C-0542AC2E625C}"/>
+              </a:ext>
+            </a:extLst>
+          </p:cNvPr>
+          <p:cNvPicPr>
+            <a:picLocks noChangeAspect="1"/>
+          </p:cNvPicPr>
+          <p:nvPr/>
+        </p:nvPicPr>
+        <p:blipFill>
+          <a:blip r:embed="rId2"/>
+          <a:stretch>
+            <a:fillRect/>
+          </a:stretch>
+        </p:blipFill>
+        <p:spPr>
+          <a:xfrm>
+            <a:off x="2525009" y="1088168"/>
+            <a:ext cx="7292972" cy="5235394"/>
+          </a:xfrm>
+          <a:prstGeom prst="rect">
+            <a:avLst/>
+          </a:prstGeom>
+        </p:spPr>
+      </p:pic>
+      <p:sp>
+        <p:nvSpPr>
+          <p:cNvPr id="8" name="灯片编号占位符 14">
+            <a:extLst>
+              <a:ext uri="{FF2B5EF4-FFF2-40B4-BE49-F238E27FC236}">
+                <a16:creationId xmlns:a16="http://schemas.microsoft.com/office/drawing/2014/main" id="{322C700E-3E2B-4B63-A7B2-CF4E6F8CE922}"/>
+              </a:ext>
+            </a:extLst>
+          </p:cNvPr>
+          <p:cNvSpPr>
+            <a:spLocks noGrp="1"/>
+          </p:cNvSpPr>
+          <p:nvPr>
+            <p:ph type="sldNum" sz="quarter" idx="12"/>
+          </p:nvPr>
+        </p:nvSpPr>
+        <p:spPr>
+          <a:xfrm>
+            <a:off x="11161486" y="6139726"/>
+            <a:ext cx="1003970" cy="365125"/>
+          </a:xfrm>
+        </p:spPr>
+        <p:txBody>
+          <a:bodyPr/>
+          <a:lstStyle/>
+          <a:p>
+            <a:r>
+              <a:rPr lang="en-GB" altLang="zh-CN" sz="1050" spc="300" dirty="0">
+                <a:solidFill>
+                  <a:srgbClr val="525252"/>
+                </a:solidFill>
+                <a:latin typeface="Arial"/>
+                <a:ea typeface="微软雅黑"/>
+                <a:sym typeface="Arial"/>
+              </a:rPr>
+              <a:t>Page</a:t>
+            </a:r>
+            <a:r>
+              <a:rPr lang="zh-CN" altLang="en-US" sz="1050" spc="300" dirty="0">
+                <a:solidFill>
+                  <a:srgbClr val="525252"/>
+                </a:solidFill>
+                <a:latin typeface="Arial"/>
+                <a:ea typeface="微软雅黑"/>
+                <a:sym typeface="Arial"/>
+              </a:rPr>
+              <a:t> </a:t>
+            </a:r>
+            <a:fld id="{2C876148-9C27-4B1D-AF05-A3522A5FE3E3}" type="slidenum">
+              <a:rPr lang="zh-CN" altLang="en-US" sz="1050" spc="300" smtClean="0">
+                <a:solidFill>
+                  <a:srgbClr val="525252"/>
+                </a:solidFill>
+                <a:latin typeface="Arial"/>
+                <a:ea typeface="微软雅黑"/>
+                <a:sym typeface="Arial"/>
+              </a:rPr>
+              <a:t>21</a:t>
+            </a:fld>
+            <a:endParaRPr lang="zh-CN" altLang="en-US" sz="1050" spc="300" dirty="0">
+              <a:solidFill>
+                <a:srgbClr val="525252"/>
+              </a:solidFill>
+              <a:latin typeface="Arial"/>
+              <a:ea typeface="微软雅黑"/>
+              <a:sym typeface="Arial"/>
+            </a:endParaRPr>
+          </a:p>
+        </p:txBody>
+      </p:sp>
+    </p:spTree>
+    <p:extLst>
+      <p:ext uri="{BB962C8B-B14F-4D97-AF65-F5344CB8AC3E}">
+        <p14:creationId xmlns:p14="http://schemas.microsoft.com/office/powerpoint/2010/main" val="2438544705"/>
+      </p:ext>
+    </p:extLst>
+  </p:cSld>
+  <p:clrMapOvr>
+    <a:masterClrMapping/>
+  </p:clrMapOvr>
+  <p:transition>
+    <p:push dir="u"/>
+  </p:transition>
+</p:sld>
+</file>
+
+<file path=ppt/slides/slide22.xml><?xml version="1.0" encoding="utf-8"?>
+<p:sld xmlns:a="http://schemas.openxmlformats.org/drawingml/2006/main" xmlns:r="http://schemas.openxmlformats.org/officeDocument/2006/relationships" xmlns:p="http://schemas.openxmlformats.org/presentationml/2006/main">
+  <p:cSld>
+    <p:spTree>
+      <p:nvGrpSpPr>
+        <p:cNvPr id="1" name=""/>
+        <p:cNvGrpSpPr/>
+        <p:nvPr/>
+      </p:nvGrpSpPr>
+      <p:grpSpPr>
+        <a:xfrm>
+          <a:off x="0" y="0"/>
+          <a:ext cx="0" cy="0"/>
+          <a:chOff x="0" y="0"/>
+          <a:chExt cx="0" cy="0"/>
+        </a:xfrm>
+      </p:grpSpPr>
+      <p:cxnSp>
+        <p:nvCxnSpPr>
+          <p:cNvPr id="8" name="直接连接符 7">
+            <a:extLst>
+              <a:ext uri="{FF2B5EF4-FFF2-40B4-BE49-F238E27FC236}">
+                <a16:creationId xmlns:a16="http://schemas.microsoft.com/office/drawing/2014/main" id="{9B9A59A8-12A5-4D6A-9981-5D9B121F9DF7}"/>
+              </a:ext>
+            </a:extLst>
+          </p:cNvPr>
+          <p:cNvCxnSpPr>
+            <a:cxnSpLocks/>
+          </p:cNvCxnSpPr>
+          <p:nvPr/>
+        </p:nvCxnSpPr>
+        <p:spPr>
+          <a:xfrm>
+            <a:off x="11853863" y="6473371"/>
+            <a:ext cx="288131" cy="0"/>
+          </a:xfrm>
+          <a:prstGeom prst="line">
+            <a:avLst/>
+          </a:prstGeom>
+          <a:ln>
+            <a:solidFill>
+              <a:schemeClr val="tx1">
+                <a:alpha val="45000"/>
+              </a:schemeClr>
+            </a:solidFill>
+          </a:ln>
+        </p:spPr>
+        <p:style>
+          <a:lnRef idx="1">
+            <a:schemeClr val="accent1"/>
+          </a:lnRef>
+          <a:fillRef idx="0">
+            <a:schemeClr val="accent1"/>
+          </a:fillRef>
+          <a:effectRef idx="0">
+            <a:schemeClr val="accent1"/>
+          </a:effectRef>
+          <a:fontRef idx="minor">
+            <a:schemeClr val="tx1"/>
+          </a:fontRef>
+        </p:style>
+      </p:cxnSp>
+      <p:sp>
+        <p:nvSpPr>
+          <p:cNvPr id="11" name="文本框 10">
+            <a:extLst>
+              <a:ext uri="{FF2B5EF4-FFF2-40B4-BE49-F238E27FC236}">
+                <a16:creationId xmlns:a16="http://schemas.microsoft.com/office/drawing/2014/main" id="{CC03F539-7938-44F9-ACFA-D3A03808D7B8}"/>
+              </a:ext>
+            </a:extLst>
+          </p:cNvPr>
+          <p:cNvSpPr txBox="1"/>
+          <p:nvPr/>
+        </p:nvSpPr>
+        <p:spPr>
+          <a:xfrm>
+            <a:off x="1324299" y="648637"/>
+            <a:ext cx="3045530" cy="461665"/>
+          </a:xfrm>
+          <a:prstGeom prst="rect">
+            <a:avLst/>
+          </a:prstGeom>
+          <a:noFill/>
+        </p:spPr>
+        <p:txBody>
+          <a:bodyPr wrap="square" rtlCol="0">
+            <a:spAutoFit/>
+          </a:bodyPr>
+          <a:lstStyle/>
+          <a:p>
+            <a:r>
+              <a:rPr lang="zh-CN" altLang="en-US" sz="2400" b="1" spc="300" dirty="0">
+                <a:latin typeface="Arial"/>
+                <a:ea typeface="微软雅黑"/>
+                <a:sym typeface="Arial"/>
+              </a:rPr>
+              <a:t>概要设计</a:t>
+            </a:r>
+          </a:p>
+        </p:txBody>
+      </p:sp>
+      <p:sp>
+        <p:nvSpPr>
+          <p:cNvPr id="15" name="文本框 14">
+            <a:extLst>
+              <a:ext uri="{FF2B5EF4-FFF2-40B4-BE49-F238E27FC236}">
+                <a16:creationId xmlns:a16="http://schemas.microsoft.com/office/drawing/2014/main" id="{8C5DB0E6-A8EB-4D8C-939D-FD947B75448A}"/>
+              </a:ext>
+            </a:extLst>
+          </p:cNvPr>
+          <p:cNvSpPr txBox="1"/>
+          <p:nvPr/>
+        </p:nvSpPr>
+        <p:spPr>
+          <a:xfrm>
+            <a:off x="1322284" y="1110302"/>
+            <a:ext cx="5699633" cy="850939"/>
+          </a:xfrm>
+          <a:prstGeom prst="rect">
+            <a:avLst/>
+          </a:prstGeom>
+          <a:noFill/>
+        </p:spPr>
+        <p:txBody>
+          <a:bodyPr wrap="square" rtlCol="0">
+            <a:spAutoFit/>
+          </a:bodyPr>
+          <a:lstStyle/>
+          <a:p>
+            <a:pPr marL="285750" indent="-285750" algn="just">
+              <a:lnSpc>
+                <a:spcPct val="130000"/>
+              </a:lnSpc>
+              <a:buFont typeface="Arial" panose="020B0604020202020204" pitchFamily="34" charset="0"/>
+              <a:buChar char="•"/>
+            </a:pPr>
+            <a:r>
+              <a:rPr lang="zh-CN" altLang="en-US" sz="2000" dirty="0">
+                <a:solidFill>
+                  <a:srgbClr val="525252"/>
+                </a:solidFill>
+                <a:latin typeface="Arial"/>
+                <a:ea typeface="微软雅黑"/>
+                <a:sym typeface="Arial"/>
+              </a:rPr>
+              <a:t>上下文图</a:t>
+            </a:r>
+            <a:endParaRPr lang="en-US" altLang="zh-CN" sz="2000" dirty="0">
+              <a:solidFill>
+                <a:srgbClr val="525252"/>
+              </a:solidFill>
+              <a:latin typeface="Arial"/>
+              <a:ea typeface="微软雅黑"/>
+              <a:sym typeface="Arial"/>
+            </a:endParaRPr>
+          </a:p>
+          <a:p>
+            <a:pPr marL="285750" indent="-285750" algn="just">
+              <a:lnSpc>
+                <a:spcPct val="130000"/>
+              </a:lnSpc>
+              <a:buFont typeface="Arial" panose="020B0604020202020204" pitchFamily="34" charset="0"/>
+              <a:buChar char="•"/>
+            </a:pPr>
+            <a:r>
+              <a:rPr lang="en-US" altLang="zh-CN" sz="2000" dirty="0">
+                <a:solidFill>
+                  <a:srgbClr val="525252"/>
+                </a:solidFill>
+                <a:latin typeface="Arial"/>
+                <a:ea typeface="微软雅黑"/>
+                <a:sym typeface="Arial"/>
+              </a:rPr>
+              <a:t>0</a:t>
+            </a:r>
+            <a:r>
+              <a:rPr lang="zh-CN" altLang="en-US" sz="2000" dirty="0">
+                <a:solidFill>
+                  <a:srgbClr val="525252"/>
+                </a:solidFill>
+                <a:latin typeface="Arial"/>
+                <a:ea typeface="微软雅黑"/>
+                <a:sym typeface="Arial"/>
+              </a:rPr>
+              <a:t>层图</a:t>
+            </a:r>
+            <a:endParaRPr lang="en-GB" altLang="zh-CN" sz="2000" dirty="0">
+              <a:solidFill>
+                <a:srgbClr val="525252"/>
+              </a:solidFill>
+              <a:latin typeface="Arial"/>
+              <a:ea typeface="微软雅黑"/>
+              <a:sym typeface="Arial"/>
+            </a:endParaRPr>
+          </a:p>
+        </p:txBody>
+      </p:sp>
+      <p:pic>
+        <p:nvPicPr>
+          <p:cNvPr id="17" name="图片 16">
+            <a:extLst>
+              <a:ext uri="{FF2B5EF4-FFF2-40B4-BE49-F238E27FC236}">
+                <a16:creationId xmlns:a16="http://schemas.microsoft.com/office/drawing/2014/main" id="{2A79BD2C-5D40-45EC-A613-3EF2B4821744}"/>
+              </a:ext>
+            </a:extLst>
+          </p:cNvPr>
+          <p:cNvPicPr>
+            <a:picLocks noChangeAspect="1"/>
+          </p:cNvPicPr>
+          <p:nvPr/>
+        </p:nvPicPr>
+        <p:blipFill>
+          <a:blip r:embed="rId2"/>
+          <a:stretch>
+            <a:fillRect/>
+          </a:stretch>
+        </p:blipFill>
+        <p:spPr>
+          <a:xfrm>
+            <a:off x="287841" y="2156349"/>
+            <a:ext cx="4656223" cy="2545301"/>
+          </a:xfrm>
+          <a:prstGeom prst="rect">
+            <a:avLst/>
+          </a:prstGeom>
+        </p:spPr>
+      </p:pic>
+      <p:pic>
+        <p:nvPicPr>
+          <p:cNvPr id="19" name="图片 18">
+            <a:extLst>
+              <a:ext uri="{FF2B5EF4-FFF2-40B4-BE49-F238E27FC236}">
+                <a16:creationId xmlns:a16="http://schemas.microsoft.com/office/drawing/2014/main" id="{6F48384A-2782-4EAE-B598-0AC0B2FF1DBF}"/>
+              </a:ext>
+            </a:extLst>
+          </p:cNvPr>
+          <p:cNvPicPr>
+            <a:picLocks noChangeAspect="1"/>
+          </p:cNvPicPr>
+          <p:nvPr/>
+        </p:nvPicPr>
+        <p:blipFill rotWithShape="1">
+          <a:blip r:embed="rId3">
+            <a:extLst>
+              <a:ext uri="{28A0092B-C50C-407E-A947-70E740481C1C}">
+                <a14:useLocalDpi xmlns:a14="http://schemas.microsoft.com/office/drawing/2010/main" val="0"/>
+              </a:ext>
+            </a:extLst>
+          </a:blip>
+          <a:srcRect r="15179"/>
+          <a:stretch/>
+        </p:blipFill>
+        <p:spPr>
+          <a:xfrm>
+            <a:off x="4793538" y="219074"/>
+            <a:ext cx="6697616" cy="6419850"/>
+          </a:xfrm>
+          <a:prstGeom prst="rect">
+            <a:avLst/>
+          </a:prstGeom>
+        </p:spPr>
+      </p:pic>
+      <p:sp>
+        <p:nvSpPr>
+          <p:cNvPr id="9" name="灯片编号占位符 14">
+            <a:extLst>
+              <a:ext uri="{FF2B5EF4-FFF2-40B4-BE49-F238E27FC236}">
+                <a16:creationId xmlns:a16="http://schemas.microsoft.com/office/drawing/2014/main" id="{BDD5327C-2316-48D8-AF5E-58907DB06DE5}"/>
+              </a:ext>
+            </a:extLst>
+          </p:cNvPr>
+          <p:cNvSpPr>
+            <a:spLocks noGrp="1"/>
+          </p:cNvSpPr>
+          <p:nvPr>
+            <p:ph type="sldNum" sz="quarter" idx="12"/>
+          </p:nvPr>
+        </p:nvSpPr>
+        <p:spPr>
+          <a:xfrm>
+            <a:off x="11161486" y="6139726"/>
+            <a:ext cx="1003970" cy="365125"/>
+          </a:xfrm>
+        </p:spPr>
+        <p:txBody>
+          <a:bodyPr/>
+          <a:lstStyle/>
+          <a:p>
+            <a:r>
+              <a:rPr lang="en-GB" altLang="zh-CN" sz="1050" spc="300" dirty="0">
+                <a:solidFill>
+                  <a:srgbClr val="525252"/>
+                </a:solidFill>
+                <a:latin typeface="Arial"/>
+                <a:ea typeface="微软雅黑"/>
+                <a:sym typeface="Arial"/>
+              </a:rPr>
+              <a:t>Page</a:t>
+            </a:r>
+            <a:r>
+              <a:rPr lang="zh-CN" altLang="en-US" sz="1050" spc="300" dirty="0">
+                <a:solidFill>
+                  <a:srgbClr val="525252"/>
+                </a:solidFill>
+                <a:latin typeface="Arial"/>
+                <a:ea typeface="微软雅黑"/>
+                <a:sym typeface="Arial"/>
+              </a:rPr>
+              <a:t> </a:t>
+            </a:r>
+            <a:fld id="{2C876148-9C27-4B1D-AF05-A3522A5FE3E3}" type="slidenum">
+              <a:rPr lang="zh-CN" altLang="en-US" sz="1050" spc="300" smtClean="0">
+                <a:solidFill>
+                  <a:srgbClr val="525252"/>
+                </a:solidFill>
+                <a:latin typeface="Arial"/>
+                <a:ea typeface="微软雅黑"/>
+                <a:sym typeface="Arial"/>
+              </a:rPr>
+              <a:t>22</a:t>
+            </a:fld>
+            <a:endParaRPr lang="zh-CN" altLang="en-US" sz="1050" spc="300" dirty="0">
+              <a:solidFill>
+                <a:srgbClr val="525252"/>
+              </a:solidFill>
+              <a:latin typeface="Arial"/>
+              <a:ea typeface="微软雅黑"/>
+              <a:sym typeface="Arial"/>
+            </a:endParaRPr>
+          </a:p>
+        </p:txBody>
+      </p:sp>
+    </p:spTree>
+    <p:extLst>
+      <p:ext uri="{BB962C8B-B14F-4D97-AF65-F5344CB8AC3E}">
+        <p14:creationId xmlns:p14="http://schemas.microsoft.com/office/powerpoint/2010/main" val="4140628639"/>
+      </p:ext>
+    </p:extLst>
+  </p:cSld>
+  <p:clrMapOvr>
+    <a:masterClrMapping/>
+  </p:clrMapOvr>
+  <p:transition>
+    <p:push dir="u"/>
+  </p:transition>
+</p:sld>
+</file>
+
+<file path=ppt/slides/slide23.xml><?xml version="1.0" encoding="utf-8"?>
+<p:sld xmlns:a="http://schemas.openxmlformats.org/drawingml/2006/main" xmlns:r="http://schemas.openxmlformats.org/officeDocument/2006/relationships" xmlns:p="http://schemas.openxmlformats.org/presentationml/2006/main">
+  <p:cSld>
+    <p:spTree>
+      <p:nvGrpSpPr>
+        <p:cNvPr id="1" name=""/>
+        <p:cNvGrpSpPr/>
+        <p:nvPr/>
+      </p:nvGrpSpPr>
+      <p:grpSpPr>
+        <a:xfrm>
+          <a:off x="0" y="0"/>
+          <a:ext cx="0" cy="0"/>
+          <a:chOff x="0" y="0"/>
+          <a:chExt cx="0" cy="0"/>
+        </a:xfrm>
+      </p:grpSpPr>
+      <p:sp>
+        <p:nvSpPr>
+          <p:cNvPr id="4" name="灯片编号占位符 14">
+            <a:extLst>
+              <a:ext uri="{FF2B5EF4-FFF2-40B4-BE49-F238E27FC236}">
+                <a16:creationId xmlns:a16="http://schemas.microsoft.com/office/drawing/2014/main" id="{ABFB7832-5C29-4015-9445-10F89F367E35}"/>
+              </a:ext>
+            </a:extLst>
+          </p:cNvPr>
+          <p:cNvSpPr>
+            <a:spLocks noGrp="1"/>
+          </p:cNvSpPr>
+          <p:nvPr>
+            <p:ph type="sldNum" sz="quarter" idx="12"/>
+          </p:nvPr>
+        </p:nvSpPr>
+        <p:spPr>
+          <a:xfrm>
+            <a:off x="11161486" y="6139726"/>
+            <a:ext cx="1003970" cy="365125"/>
+          </a:xfrm>
+        </p:spPr>
+        <p:txBody>
+          <a:bodyPr/>
+          <a:lstStyle/>
+          <a:p>
+            <a:r>
+              <a:rPr lang="en-GB" altLang="zh-CN" sz="1050" spc="300" dirty="0">
+                <a:solidFill>
+                  <a:srgbClr val="525252"/>
+                </a:solidFill>
+                <a:latin typeface="Arial"/>
+                <a:ea typeface="微软雅黑"/>
+                <a:sym typeface="Arial"/>
+              </a:rPr>
+              <a:t>Page</a:t>
+            </a:r>
+            <a:r>
+              <a:rPr lang="zh-CN" altLang="en-US" sz="1050" spc="300" dirty="0">
+                <a:solidFill>
+                  <a:srgbClr val="525252"/>
+                </a:solidFill>
+                <a:latin typeface="Arial"/>
+                <a:ea typeface="微软雅黑"/>
+                <a:sym typeface="Arial"/>
+              </a:rPr>
+              <a:t> </a:t>
+            </a:r>
+            <a:fld id="{2C876148-9C27-4B1D-AF05-A3522A5FE3E3}" type="slidenum">
+              <a:rPr lang="zh-CN" altLang="en-US" sz="1050" spc="300" smtClean="0">
+                <a:solidFill>
+                  <a:srgbClr val="525252"/>
+                </a:solidFill>
+                <a:latin typeface="Arial"/>
+                <a:ea typeface="微软雅黑"/>
+                <a:sym typeface="Arial"/>
+              </a:rPr>
+              <a:t>23</a:t>
+            </a:fld>
+            <a:endParaRPr lang="zh-CN" altLang="en-US" sz="1050" spc="300" dirty="0">
+              <a:solidFill>
+                <a:srgbClr val="525252"/>
+              </a:solidFill>
+              <a:latin typeface="Arial"/>
+              <a:ea typeface="微软雅黑"/>
+              <a:sym typeface="Arial"/>
+            </a:endParaRPr>
+          </a:p>
+        </p:txBody>
+      </p:sp>
+      <p:grpSp>
+        <p:nvGrpSpPr>
+          <p:cNvPr id="20" name="组合 19">
+            <a:extLst>
+              <a:ext uri="{FF2B5EF4-FFF2-40B4-BE49-F238E27FC236}">
+                <a16:creationId xmlns:a16="http://schemas.microsoft.com/office/drawing/2014/main" id="{CE158F6C-4DC6-4CE5-8042-AEEBED9F1897}"/>
+              </a:ext>
+            </a:extLst>
+          </p:cNvPr>
+          <p:cNvGrpSpPr/>
+          <p:nvPr/>
+        </p:nvGrpSpPr>
+        <p:grpSpPr>
+          <a:xfrm>
+            <a:off x="7259862" y="847922"/>
+            <a:ext cx="4932138" cy="5721280"/>
+            <a:chOff x="9731268" y="774770"/>
+            <a:chExt cx="4932138" cy="5721280"/>
+          </a:xfrm>
+        </p:grpSpPr>
+        <p:sp>
+          <p:nvSpPr>
+            <p:cNvPr id="10" name="六边形 9">
+              <a:extLst>
+                <a:ext uri="{FF2B5EF4-FFF2-40B4-BE49-F238E27FC236}">
+                  <a16:creationId xmlns:a16="http://schemas.microsoft.com/office/drawing/2014/main" id="{D83B04D1-64FE-41C8-B070-0A5ABF6613EB}"/>
+                </a:ext>
+              </a:extLst>
+            </p:cNvPr>
+            <p:cNvSpPr/>
+            <p:nvPr/>
+          </p:nvSpPr>
+          <p:spPr>
+            <a:xfrm rot="5400000">
+              <a:off x="10174897" y="1891927"/>
+              <a:ext cx="4044880" cy="3486966"/>
+            </a:xfrm>
+            <a:prstGeom prst="hexagon">
+              <a:avLst/>
+            </a:prstGeom>
+            <a:noFill/>
+            <a:ln>
+              <a:solidFill>
+                <a:schemeClr val="tx1">
+                  <a:alpha val="21000"/>
+                </a:schemeClr>
+              </a:solidFill>
+            </a:ln>
+          </p:spPr>
+          <p:style>
+            <a:lnRef idx="2">
+              <a:schemeClr val="accent1">
+                <a:shade val="50000"/>
+              </a:schemeClr>
+            </a:lnRef>
+            <a:fillRef idx="1">
+              <a:schemeClr val="accent1"/>
+            </a:fillRef>
+            <a:effectRef idx="0">
+              <a:schemeClr val="accent1"/>
+            </a:effectRef>
+            <a:fontRef idx="minor">
+              <a:schemeClr val="lt1"/>
+            </a:fontRef>
+          </p:style>
+          <p:txBody>
+            <a:bodyPr rtlCol="0" anchor="ctr"/>
+            <a:lstStyle/>
+            <a:p>
+              <a:pPr algn="ctr"/>
+              <a:endParaRPr lang="zh-CN" altLang="en-US" dirty="0">
+                <a:latin typeface="Arial"/>
+                <a:ea typeface="微软雅黑"/>
+                <a:sym typeface="Arial"/>
+              </a:endParaRPr>
+            </a:p>
+          </p:txBody>
+        </p:sp>
+        <p:sp>
+          <p:nvSpPr>
+            <p:cNvPr id="11" name="六边形 10">
+              <a:extLst>
+                <a:ext uri="{FF2B5EF4-FFF2-40B4-BE49-F238E27FC236}">
+                  <a16:creationId xmlns:a16="http://schemas.microsoft.com/office/drawing/2014/main" id="{8B103D75-512D-4D6E-A4B1-44AA60068FAE}"/>
+                </a:ext>
+              </a:extLst>
+            </p:cNvPr>
+            <p:cNvSpPr/>
+            <p:nvPr/>
+          </p:nvSpPr>
+          <p:spPr>
+            <a:xfrm rot="5400000">
+              <a:off x="10841647" y="2466712"/>
+              <a:ext cx="2711380" cy="2337396"/>
+            </a:xfrm>
+            <a:prstGeom prst="hexagon">
+              <a:avLst/>
+            </a:prstGeom>
+            <a:noFill/>
+            <a:ln>
+              <a:solidFill>
+                <a:schemeClr val="tx1">
+                  <a:alpha val="47000"/>
+                </a:schemeClr>
+              </a:solidFill>
+            </a:ln>
+          </p:spPr>
+          <p:style>
+            <a:lnRef idx="2">
+              <a:schemeClr val="accent1">
+                <a:shade val="50000"/>
+              </a:schemeClr>
+            </a:lnRef>
+            <a:fillRef idx="1">
+              <a:schemeClr val="accent1"/>
+            </a:fillRef>
+            <a:effectRef idx="0">
+              <a:schemeClr val="accent1"/>
+            </a:effectRef>
+            <a:fontRef idx="minor">
+              <a:schemeClr val="lt1"/>
+            </a:fontRef>
+          </p:style>
+          <p:txBody>
+            <a:bodyPr rtlCol="0" anchor="ctr"/>
+            <a:lstStyle/>
+            <a:p>
+              <a:pPr algn="ctr"/>
+              <a:endParaRPr lang="zh-CN" altLang="en-US" dirty="0">
+                <a:latin typeface="Arial"/>
+                <a:ea typeface="微软雅黑"/>
+                <a:sym typeface="Arial"/>
+              </a:endParaRPr>
+            </a:p>
+          </p:txBody>
+        </p:sp>
+        <p:sp>
+          <p:nvSpPr>
+            <p:cNvPr id="12" name="六边形 11">
+              <a:extLst>
+                <a:ext uri="{FF2B5EF4-FFF2-40B4-BE49-F238E27FC236}">
+                  <a16:creationId xmlns:a16="http://schemas.microsoft.com/office/drawing/2014/main" id="{51157CAF-930F-4727-BECC-16895116D8A4}"/>
+                </a:ext>
+              </a:extLst>
+            </p:cNvPr>
+            <p:cNvSpPr/>
+            <p:nvPr/>
+          </p:nvSpPr>
+          <p:spPr>
+            <a:xfrm rot="5400000">
+              <a:off x="9336697" y="1169341"/>
+              <a:ext cx="5721280" cy="4932138"/>
+            </a:xfrm>
+            <a:prstGeom prst="hexagon">
+              <a:avLst/>
+            </a:prstGeom>
+            <a:noFill/>
+            <a:ln>
+              <a:solidFill>
+                <a:schemeClr val="tx1">
+                  <a:alpha val="5000"/>
+                </a:schemeClr>
+              </a:solidFill>
+            </a:ln>
+          </p:spPr>
+          <p:style>
+            <a:lnRef idx="2">
+              <a:schemeClr val="accent1">
+                <a:shade val="50000"/>
+              </a:schemeClr>
+            </a:lnRef>
+            <a:fillRef idx="1">
+              <a:schemeClr val="accent1"/>
+            </a:fillRef>
+            <a:effectRef idx="0">
+              <a:schemeClr val="accent1"/>
+            </a:effectRef>
+            <a:fontRef idx="minor">
+              <a:schemeClr val="lt1"/>
+            </a:fontRef>
+          </p:style>
+          <p:txBody>
+            <a:bodyPr rtlCol="0" anchor="ctr"/>
+            <a:lstStyle/>
+            <a:p>
+              <a:pPr algn="ctr"/>
+              <a:endParaRPr lang="zh-CN" altLang="en-US" dirty="0">
+                <a:latin typeface="Arial"/>
+                <a:ea typeface="微软雅黑"/>
+                <a:sym typeface="Arial"/>
+              </a:endParaRPr>
+            </a:p>
+          </p:txBody>
+        </p:sp>
+        <p:cxnSp>
+          <p:nvCxnSpPr>
+            <p:cNvPr id="13" name="直接连接符 12">
+              <a:extLst>
+                <a:ext uri="{FF2B5EF4-FFF2-40B4-BE49-F238E27FC236}">
+                  <a16:creationId xmlns:a16="http://schemas.microsoft.com/office/drawing/2014/main" id="{ED6685DE-F665-4156-9EB2-F330EC5F2BAE}"/>
+                </a:ext>
+              </a:extLst>
+            </p:cNvPr>
+            <p:cNvCxnSpPr>
+              <a:cxnSpLocks/>
+              <a:stCxn id="11" idx="4"/>
+            </p:cNvCxnSpPr>
+            <p:nvPr/>
+          </p:nvCxnSpPr>
+          <p:spPr>
+            <a:xfrm flipH="1">
+              <a:off x="12217845" y="2864069"/>
+              <a:ext cx="1148189" cy="596681"/>
+            </a:xfrm>
+            <a:prstGeom prst="line">
+              <a:avLst/>
+            </a:prstGeom>
+            <a:noFill/>
+            <a:ln>
+              <a:solidFill>
+                <a:schemeClr val="tx1">
+                  <a:alpha val="60000"/>
+                </a:schemeClr>
+              </a:solidFill>
+            </a:ln>
+          </p:spPr>
+          <p:style>
+            <a:lnRef idx="2">
+              <a:schemeClr val="accent1">
+                <a:shade val="50000"/>
+              </a:schemeClr>
+            </a:lnRef>
+            <a:fillRef idx="1">
+              <a:schemeClr val="accent1"/>
+            </a:fillRef>
+            <a:effectRef idx="0">
+              <a:schemeClr val="accent1"/>
+            </a:effectRef>
+            <a:fontRef idx="minor">
+              <a:schemeClr val="lt1"/>
+            </a:fontRef>
+          </p:style>
+        </p:cxnSp>
+        <p:cxnSp>
+          <p:nvCxnSpPr>
+            <p:cNvPr id="14" name="直接连接符 13">
+              <a:extLst>
+                <a:ext uri="{FF2B5EF4-FFF2-40B4-BE49-F238E27FC236}">
+                  <a16:creationId xmlns:a16="http://schemas.microsoft.com/office/drawing/2014/main" id="{50B7AE4C-DDB0-4591-8A61-00E0080BAD46}"/>
+                </a:ext>
+              </a:extLst>
+            </p:cNvPr>
+            <p:cNvCxnSpPr>
+              <a:cxnSpLocks/>
+              <a:stCxn id="11" idx="2"/>
+            </p:cNvCxnSpPr>
+            <p:nvPr/>
+          </p:nvCxnSpPr>
+          <p:spPr>
+            <a:xfrm>
+              <a:off x="11028640" y="2864069"/>
+              <a:ext cx="1174035" cy="596681"/>
+            </a:xfrm>
+            <a:prstGeom prst="line">
+              <a:avLst/>
+            </a:prstGeom>
+            <a:noFill/>
+            <a:ln>
+              <a:solidFill>
+                <a:schemeClr val="tx1">
+                  <a:alpha val="60000"/>
+                </a:schemeClr>
+              </a:solidFill>
+            </a:ln>
+          </p:spPr>
+          <p:style>
+            <a:lnRef idx="2">
+              <a:schemeClr val="accent1">
+                <a:shade val="50000"/>
+              </a:schemeClr>
+            </a:lnRef>
+            <a:fillRef idx="1">
+              <a:schemeClr val="accent1"/>
+            </a:fillRef>
+            <a:effectRef idx="0">
+              <a:schemeClr val="accent1"/>
+            </a:effectRef>
+            <a:fontRef idx="minor">
+              <a:schemeClr val="lt1"/>
+            </a:fontRef>
+          </p:style>
+        </p:cxnSp>
+        <p:cxnSp>
+          <p:nvCxnSpPr>
+            <p:cNvPr id="15" name="直接连接符 14">
+              <a:extLst>
+                <a:ext uri="{FF2B5EF4-FFF2-40B4-BE49-F238E27FC236}">
+                  <a16:creationId xmlns:a16="http://schemas.microsoft.com/office/drawing/2014/main" id="{81B5BFDC-1010-48BC-89D3-BAA642D9CAF8}"/>
+                </a:ext>
+              </a:extLst>
+            </p:cNvPr>
+            <p:cNvCxnSpPr>
+              <a:cxnSpLocks/>
+              <a:endCxn id="11" idx="0"/>
+            </p:cNvCxnSpPr>
+            <p:nvPr/>
+          </p:nvCxnSpPr>
+          <p:spPr>
+            <a:xfrm>
+              <a:off x="12197337" y="3460750"/>
+              <a:ext cx="0" cy="1530350"/>
+            </a:xfrm>
+            <a:prstGeom prst="line">
+              <a:avLst/>
+            </a:prstGeom>
+            <a:noFill/>
+            <a:ln>
+              <a:solidFill>
+                <a:schemeClr val="tx1">
+                  <a:alpha val="60000"/>
+                </a:schemeClr>
+              </a:solidFill>
+            </a:ln>
+          </p:spPr>
+          <p:style>
+            <a:lnRef idx="2">
+              <a:schemeClr val="accent1">
+                <a:shade val="50000"/>
+              </a:schemeClr>
+            </a:lnRef>
+            <a:fillRef idx="1">
+              <a:schemeClr val="accent1"/>
+            </a:fillRef>
+            <a:effectRef idx="0">
+              <a:schemeClr val="accent1"/>
+            </a:effectRef>
+            <a:fontRef idx="minor">
+              <a:schemeClr val="lt1"/>
+            </a:fontRef>
+          </p:style>
+        </p:cxnSp>
+      </p:grpSp>
+      <p:sp>
+        <p:nvSpPr>
+          <p:cNvPr id="17" name="文本框 16">
+            <a:extLst>
+              <a:ext uri="{FF2B5EF4-FFF2-40B4-BE49-F238E27FC236}">
+                <a16:creationId xmlns:a16="http://schemas.microsoft.com/office/drawing/2014/main" id="{32F1104E-CB86-4A00-A6AC-DFA723BEAFE8}"/>
+              </a:ext>
+            </a:extLst>
+          </p:cNvPr>
+          <p:cNvSpPr txBox="1"/>
+          <p:nvPr/>
+        </p:nvSpPr>
+        <p:spPr>
+          <a:xfrm>
+            <a:off x="1520012" y="1382137"/>
+            <a:ext cx="3045530" cy="461665"/>
+          </a:xfrm>
+          <a:prstGeom prst="rect">
+            <a:avLst/>
+          </a:prstGeom>
+          <a:noFill/>
+        </p:spPr>
+        <p:txBody>
+          <a:bodyPr wrap="square" rtlCol="0">
+            <a:spAutoFit/>
+          </a:bodyPr>
+          <a:lstStyle/>
+          <a:p>
+            <a:r>
+              <a:rPr lang="zh-CN" altLang="en-US" sz="2400" b="1" spc="300" dirty="0">
+                <a:latin typeface="Arial"/>
+                <a:ea typeface="微软雅黑"/>
+                <a:sym typeface="Arial"/>
+              </a:rPr>
+              <a:t>概要设计</a:t>
+            </a:r>
+          </a:p>
+        </p:txBody>
+      </p:sp>
+      <p:sp>
+        <p:nvSpPr>
+          <p:cNvPr id="19" name="文本框 18">
+            <a:extLst>
+              <a:ext uri="{FF2B5EF4-FFF2-40B4-BE49-F238E27FC236}">
+                <a16:creationId xmlns:a16="http://schemas.microsoft.com/office/drawing/2014/main" id="{0D5E0376-0B00-4E7B-9381-A6C9A88FCB21}"/>
+              </a:ext>
+            </a:extLst>
+          </p:cNvPr>
+          <p:cNvSpPr txBox="1"/>
+          <p:nvPr/>
+        </p:nvSpPr>
+        <p:spPr>
+          <a:xfrm>
+            <a:off x="1520012" y="2628206"/>
+            <a:ext cx="5699633" cy="1251048"/>
+          </a:xfrm>
+          <a:prstGeom prst="rect">
+            <a:avLst/>
+          </a:prstGeom>
+          <a:noFill/>
+        </p:spPr>
+        <p:txBody>
+          <a:bodyPr wrap="square" rtlCol="0">
+            <a:spAutoFit/>
+          </a:bodyPr>
+          <a:lstStyle/>
+          <a:p>
+            <a:pPr marL="285750" indent="-285750" algn="just">
+              <a:lnSpc>
+                <a:spcPct val="130000"/>
+              </a:lnSpc>
+              <a:buFont typeface="Arial" panose="020B0604020202020204" pitchFamily="34" charset="0"/>
+              <a:buChar char="•"/>
+            </a:pPr>
+            <a:r>
+              <a:rPr lang="zh-CN" altLang="en-US" sz="2000" dirty="0">
+                <a:solidFill>
+                  <a:srgbClr val="525252"/>
+                </a:solidFill>
+                <a:latin typeface="Arial"/>
+                <a:ea typeface="微软雅黑"/>
+                <a:sym typeface="Arial"/>
+              </a:rPr>
+              <a:t>缺失内容：</a:t>
+            </a:r>
+            <a:endParaRPr lang="en-US" altLang="zh-CN" sz="2000" dirty="0">
+              <a:solidFill>
+                <a:srgbClr val="525252"/>
+              </a:solidFill>
+              <a:latin typeface="Arial"/>
+              <a:ea typeface="微软雅黑"/>
+              <a:sym typeface="Arial"/>
+            </a:endParaRPr>
+          </a:p>
+          <a:p>
+            <a:pPr marL="285750" indent="-285750" algn="just">
+              <a:lnSpc>
+                <a:spcPct val="130000"/>
+              </a:lnSpc>
+              <a:buFont typeface="Arial" panose="020B0604020202020204" pitchFamily="34" charset="0"/>
+              <a:buChar char="•"/>
+            </a:pPr>
+            <a:r>
+              <a:rPr lang="zh-CN" altLang="en-US" sz="2000" dirty="0">
+                <a:solidFill>
+                  <a:srgbClr val="525252"/>
+                </a:solidFill>
+                <a:latin typeface="Arial"/>
+                <a:ea typeface="微软雅黑"/>
+                <a:sym typeface="Arial"/>
+              </a:rPr>
+              <a:t>更底层的数据流图、接口、界面设计</a:t>
+            </a:r>
+            <a:endParaRPr lang="en-US" altLang="zh-CN" sz="2000" dirty="0">
+              <a:solidFill>
+                <a:srgbClr val="525252"/>
+              </a:solidFill>
+              <a:latin typeface="Arial"/>
+              <a:ea typeface="微软雅黑"/>
+              <a:sym typeface="Arial"/>
+            </a:endParaRPr>
+          </a:p>
+          <a:p>
+            <a:pPr marL="285750" indent="-285750" algn="just">
+              <a:lnSpc>
+                <a:spcPct val="130000"/>
+              </a:lnSpc>
+              <a:buFont typeface="Arial" panose="020B0604020202020204" pitchFamily="34" charset="0"/>
+              <a:buChar char="•"/>
+            </a:pPr>
+            <a:r>
+              <a:rPr lang="zh-CN" altLang="en-US" sz="2000" dirty="0">
+                <a:solidFill>
+                  <a:srgbClr val="525252"/>
+                </a:solidFill>
+                <a:latin typeface="Arial"/>
+                <a:ea typeface="微软雅黑"/>
+                <a:sym typeface="Arial"/>
+              </a:rPr>
+              <a:t>数据结构设计</a:t>
+            </a:r>
+            <a:endParaRPr lang="en-GB" altLang="zh-CN" sz="2000" dirty="0">
+              <a:solidFill>
+                <a:srgbClr val="525252"/>
+              </a:solidFill>
+              <a:latin typeface="Arial"/>
+              <a:ea typeface="微软雅黑"/>
+              <a:sym typeface="Arial"/>
+            </a:endParaRPr>
+          </a:p>
+        </p:txBody>
+      </p:sp>
+    </p:spTree>
+    <p:extLst>
+      <p:ext uri="{BB962C8B-B14F-4D97-AF65-F5344CB8AC3E}">
+        <p14:creationId xmlns:p14="http://schemas.microsoft.com/office/powerpoint/2010/main" val="3354831465"/>
+      </p:ext>
+    </p:extLst>
+  </p:cSld>
+  <p:clrMapOvr>
+    <a:masterClrMapping/>
+  </p:clrMapOvr>
+  <p:transition>
+    <p:push dir="u"/>
+  </p:transition>
+</p:sld>
+</file>
+
+<file path=ppt/slides/slide24.xml><?xml version="1.0" encoding="utf-8"?>
+<p:sld xmlns:a="http://schemas.openxmlformats.org/drawingml/2006/main" xmlns:r="http://schemas.openxmlformats.org/officeDocument/2006/relationships" xmlns:p="http://schemas.openxmlformats.org/presentationml/2006/main">
+  <p:cSld>
+    <p:spTree>
+      <p:nvGrpSpPr>
+        <p:cNvPr id="1" name=""/>
+        <p:cNvGrpSpPr/>
+        <p:nvPr/>
+      </p:nvGrpSpPr>
+      <p:grpSpPr>
+        <a:xfrm>
+          <a:off x="0" y="0"/>
+          <a:ext cx="0" cy="0"/>
+          <a:chOff x="0" y="0"/>
+          <a:chExt cx="0" cy="0"/>
+        </a:xfrm>
+      </p:grpSpPr>
+      <p:sp>
+        <p:nvSpPr>
           <p:cNvPr id="2" name="文本框 1">
             <a:extLst>
               <a:ext uri="{FF2B5EF4-FFF2-40B4-BE49-F238E27FC236}">
@@ -31841,7 +34821,7 @@
 </p:sld>
 </file>
 
-<file path=ppt/slides/slide21.xml><?xml version="1.0" encoding="utf-8"?>
+<file path=ppt/slides/slide25.xml><?xml version="1.0" encoding="utf-8"?>
 <p:sld xmlns:a="http://schemas.openxmlformats.org/drawingml/2006/main" xmlns:r="http://schemas.openxmlformats.org/officeDocument/2006/relationships" xmlns:p="http://schemas.openxmlformats.org/presentationml/2006/main">
   <p:cSld>
     <p:spTree>
@@ -32155,7 +35135,7 @@
                 <a:ea typeface="微软雅黑"/>
                 <a:sym typeface="Arial"/>
               </a:rPr>
-              <a:t>21</a:t>
+              <a:t>25</a:t>
             </a:fld>
             <a:endParaRPr lang="zh-CN" altLang="en-US" sz="1050" spc="300" dirty="0">
               <a:solidFill>
@@ -32184,7 +35164,7 @@
 </p:sld>
 </file>
 
-<file path=ppt/slides/slide22.xml><?xml version="1.0" encoding="utf-8"?>
+<file path=ppt/slides/slide26.xml><?xml version="1.0" encoding="utf-8"?>
 <p:sld xmlns:a="http://schemas.openxmlformats.org/drawingml/2006/main" xmlns:r="http://schemas.openxmlformats.org/officeDocument/2006/relationships" xmlns:p="http://schemas.openxmlformats.org/presentationml/2006/main">
   <p:cSld>
     <p:spTree>
@@ -32500,7 +35480,7 @@
                 <a:ea typeface="微软雅黑"/>
                 <a:sym typeface="Arial"/>
               </a:rPr>
-              <a:t>22</a:t>
+              <a:t>26</a:t>
             </a:fld>
             <a:endParaRPr lang="zh-CN" altLang="en-US" sz="1050" spc="300" dirty="0">
               <a:solidFill>
@@ -32529,7 +35509,7 @@
 </p:sld>
 </file>
 
-<file path=ppt/slides/slide23.xml><?xml version="1.0" encoding="utf-8"?>
+<file path=ppt/slides/slide27.xml><?xml version="1.0" encoding="utf-8"?>
 <p:sld xmlns:a="http://schemas.openxmlformats.org/drawingml/2006/main" xmlns:r="http://schemas.openxmlformats.org/officeDocument/2006/relationships" xmlns:p="http://schemas.openxmlformats.org/presentationml/2006/main">
   <p:cSld>
     <p:spTree>
@@ -32845,7 +35825,7 @@
                 <a:ea typeface="微软雅黑"/>
                 <a:sym typeface="Arial"/>
               </a:rPr>
-              <a:t>23</a:t>
+              <a:t>27</a:t>
             </a:fld>
             <a:endParaRPr lang="zh-CN" altLang="en-US" sz="1050" spc="300" dirty="0">
               <a:solidFill>
@@ -32874,7 +35854,7 @@
 </p:sld>
 </file>
 
-<file path=ppt/slides/slide24.xml><?xml version="1.0" encoding="utf-8"?>
+<file path=ppt/slides/slide28.xml><?xml version="1.0" encoding="utf-8"?>
 <p:sld xmlns:a="http://schemas.openxmlformats.org/drawingml/2006/main" xmlns:r="http://schemas.openxmlformats.org/officeDocument/2006/relationships" xmlns:p="http://schemas.openxmlformats.org/presentationml/2006/main">
   <p:cSld>
     <p:bg>
@@ -42862,7 +45842,7 @@
           <p:nvPr>
             <p:extLst>
               <p:ext uri="{D42A27DB-BD31-4B8C-83A1-F6EECF244321}">
-                <p14:modId xmlns:p14="http://schemas.microsoft.com/office/powerpoint/2010/main" val="220094355"/>
+                <p14:modId xmlns:p14="http://schemas.microsoft.com/office/powerpoint/2010/main" val="525764909"/>
               </p:ext>
             </p:extLst>
           </p:nvPr>
@@ -42885,21 +45865,21 @@
                     </a:ext>
                   </a:extLst>
                 </a:gridCol>
-                <a:gridCol w="1427217">
+                <a:gridCol w="1236551">
                   <a:extLst>
                     <a:ext uri="{9D8B030D-6E8A-4147-A177-3AD203B41FA5}">
                       <a16:colId xmlns:a16="http://schemas.microsoft.com/office/drawing/2014/main" val="3767400589"/>
                     </a:ext>
                   </a:extLst>
                 </a:gridCol>
-                <a:gridCol w="1830888">
+                <a:gridCol w="1722268">
                   <a:extLst>
                     <a:ext uri="{9D8B030D-6E8A-4147-A177-3AD203B41FA5}">
                       <a16:colId xmlns:a16="http://schemas.microsoft.com/office/drawing/2014/main" val="516505755"/>
                     </a:ext>
                   </a:extLst>
                 </a:gridCol>
-                <a:gridCol w="1448248">
+                <a:gridCol w="1747534">
                   <a:extLst>
                     <a:ext uri="{9D8B030D-6E8A-4147-A177-3AD203B41FA5}">
                       <a16:colId xmlns:a16="http://schemas.microsoft.com/office/drawing/2014/main" val="18934879"/>
@@ -42981,12 +45961,12 @@
                     <a:p>
                       <a:pPr algn="just"/>
                       <a:r>
-                        <a:rPr lang="zh-CN" sz="2000" kern="100">
+                        <a:rPr lang="zh-CN" sz="2000" kern="100" dirty="0">
                           <a:effectLst/>
                         </a:rPr>
                         <a:t>角色二</a:t>
                       </a:r>
-                      <a:endParaRPr lang="zh-CN" sz="2000" kern="100">
+                      <a:endParaRPr lang="zh-CN" sz="2000" kern="100" dirty="0">
                         <a:effectLst/>
                         <a:latin typeface="Calibri" panose="020F0502020204030204" pitchFamily="34" charset="0"/>
                         <a:ea typeface="宋体" panose="02010600030101010101" pitchFamily="2" charset="-122"/>
@@ -43054,12 +46034,12 @@
                     <a:p>
                       <a:pPr algn="l"/>
                       <a:r>
-                        <a:rPr lang="zh-CN" sz="2000" kern="100">
+                        <a:rPr lang="zh-CN" sz="2000" kern="100" dirty="0">
                           <a:effectLst/>
                         </a:rPr>
-                        <a:t>整个项目管理</a:t>
+                        <a:t>项目管理</a:t>
                       </a:r>
-                      <a:endParaRPr lang="zh-CN" sz="2000" kern="100">
+                      <a:endParaRPr lang="zh-CN" sz="2000" kern="100" dirty="0">
                         <a:effectLst/>
                         <a:latin typeface="Calibri" panose="020F0502020204030204" pitchFamily="34" charset="0"/>
                         <a:ea typeface="宋体" panose="02010600030101010101" pitchFamily="2" charset="-122"/>
@@ -43076,12 +46056,12 @@
                     <a:p>
                       <a:pPr algn="just"/>
                       <a:r>
-                        <a:rPr lang="zh-CN" sz="2000" kern="100">
+                        <a:rPr lang="zh-CN" sz="2000" kern="100" dirty="0">
                           <a:effectLst/>
                         </a:rPr>
                         <a:t>程序员</a:t>
                       </a:r>
-                      <a:endParaRPr lang="zh-CN" sz="2000" kern="100">
+                      <a:endParaRPr lang="zh-CN" sz="2000" kern="100" dirty="0">
                         <a:effectLst/>
                         <a:latin typeface="Calibri" panose="020F0502020204030204" pitchFamily="34" charset="0"/>
                         <a:ea typeface="宋体" panose="02010600030101010101" pitchFamily="2" charset="-122"/>
@@ -43149,12 +46129,12 @@
                     <a:p>
                       <a:pPr algn="l"/>
                       <a:r>
-                        <a:rPr lang="zh-CN" sz="2000" kern="100">
+                        <a:rPr lang="zh-CN" altLang="en-US" sz="2000" kern="100" dirty="0">
                           <a:effectLst/>
                         </a:rPr>
-                        <a:t>数据分析</a:t>
+                        <a:t>后端</a:t>
                       </a:r>
-                      <a:endParaRPr lang="zh-CN" sz="2000" kern="100">
+                      <a:endParaRPr lang="zh-CN" sz="2000" kern="100" dirty="0">
                         <a:effectLst/>
                         <a:latin typeface="Calibri" panose="020F0502020204030204" pitchFamily="34" charset="0"/>
                         <a:ea typeface="宋体" panose="02010600030101010101" pitchFamily="2" charset="-122"/>
@@ -43171,12 +46151,12 @@
                     <a:p>
                       <a:pPr algn="just"/>
                       <a:r>
-                        <a:rPr lang="zh-CN" sz="2000" kern="100">
+                        <a:rPr lang="zh-CN" altLang="en-US" sz="2000" kern="100" dirty="0">
                           <a:effectLst/>
                         </a:rPr>
-                        <a:t>程序员</a:t>
+                        <a:t>数据处理</a:t>
                       </a:r>
-                      <a:endParaRPr lang="zh-CN" sz="2000" kern="100">
+                      <a:endParaRPr lang="zh-CN" sz="2000" kern="100" dirty="0">
                         <a:effectLst/>
                         <a:latin typeface="Calibri" panose="020F0502020204030204" pitchFamily="34" charset="0"/>
                         <a:ea typeface="宋体" panose="02010600030101010101" pitchFamily="2" charset="-122"/>
@@ -43266,12 +46246,12 @@
                     <a:p>
                       <a:pPr algn="just"/>
                       <a:r>
-                        <a:rPr lang="zh-CN" sz="2000" kern="100">
+                        <a:rPr lang="zh-CN" altLang="en-US" sz="2000" kern="100" dirty="0">
                           <a:effectLst/>
                         </a:rPr>
-                        <a:t>程序员</a:t>
+                        <a:t>测试程序员</a:t>
                       </a:r>
-                      <a:endParaRPr lang="zh-CN" sz="2000" kern="100">
+                      <a:endParaRPr lang="zh-CN" sz="2000" kern="100" dirty="0">
                         <a:effectLst/>
                         <a:latin typeface="Calibri" panose="020F0502020204030204" pitchFamily="34" charset="0"/>
                         <a:ea typeface="宋体" panose="02010600030101010101" pitchFamily="2" charset="-122"/>
@@ -43339,12 +46319,12 @@
                     <a:p>
                       <a:pPr algn="l"/>
                       <a:r>
-                        <a:rPr lang="zh-CN" sz="2000" kern="100">
+                        <a:rPr lang="zh-CN" altLang="en-US" sz="2000" kern="100" dirty="0">
                           <a:effectLst/>
                         </a:rPr>
-                        <a:t>图形化界面</a:t>
+                        <a:t>前端</a:t>
                       </a:r>
-                      <a:endParaRPr lang="zh-CN" sz="2000" kern="100">
+                      <a:endParaRPr lang="zh-CN" sz="2000" kern="100" dirty="0">
                         <a:effectLst/>
                         <a:latin typeface="Calibri" panose="020F0502020204030204" pitchFamily="34" charset="0"/>
                         <a:ea typeface="宋体" panose="02010600030101010101" pitchFamily="2" charset="-122"/>
@@ -43361,12 +46341,12 @@
                     <a:p>
                       <a:pPr algn="just"/>
                       <a:r>
-                        <a:rPr lang="zh-CN" sz="2000" kern="100">
+                        <a:rPr lang="zh-CN" altLang="en-US" sz="2000" kern="100" dirty="0">
                           <a:effectLst/>
                         </a:rPr>
-                        <a:t>程序员</a:t>
+                        <a:t>图形化界面</a:t>
                       </a:r>
-                      <a:endParaRPr lang="zh-CN" sz="2000" kern="100">
+                      <a:endParaRPr lang="zh-CN" sz="2000" kern="100" dirty="0">
                         <a:effectLst/>
                         <a:latin typeface="Calibri" panose="020F0502020204030204" pitchFamily="34" charset="0"/>
                         <a:ea typeface="宋体" panose="02010600030101010101" pitchFamily="2" charset="-122"/>
@@ -43434,10 +46414,10 @@
                     <a:p>
                       <a:pPr algn="l"/>
                       <a:r>
-                        <a:rPr lang="zh-CN" sz="2000" kern="100" dirty="0">
+                        <a:rPr lang="zh-CN" altLang="en-US" sz="2000" kern="100" dirty="0">
                           <a:effectLst/>
                         </a:rPr>
-                        <a:t>计算攻击过程</a:t>
+                        <a:t>算法</a:t>
                       </a:r>
                       <a:endParaRPr lang="zh-CN" sz="2000" kern="100" dirty="0">
                         <a:effectLst/>
@@ -43456,10 +46436,10 @@
                     <a:p>
                       <a:pPr algn="just"/>
                       <a:r>
-                        <a:rPr lang="zh-CN" sz="2000" kern="100" dirty="0">
+                        <a:rPr lang="zh-CN" altLang="en-US" sz="2000" kern="100" dirty="0">
                           <a:effectLst/>
                         </a:rPr>
-                        <a:t>程序员</a:t>
+                        <a:t>计算攻击过程</a:t>
                       </a:r>
                       <a:endParaRPr lang="zh-CN" sz="2000" kern="100" dirty="0">
                         <a:effectLst/>
@@ -44267,6 +47247,36 @@
           </a:p>
         </p:txBody>
       </p:sp>
+      <p:pic>
+        <p:nvPicPr>
+          <p:cNvPr id="12" name="图片 11">
+            <a:extLst>
+              <a:ext uri="{FF2B5EF4-FFF2-40B4-BE49-F238E27FC236}">
+                <a16:creationId xmlns:a16="http://schemas.microsoft.com/office/drawing/2014/main" id="{60E37A2D-1275-4822-9834-FE3A03AA80DC}"/>
+              </a:ext>
+            </a:extLst>
+          </p:cNvPr>
+          <p:cNvPicPr>
+            <a:picLocks noChangeAspect="1"/>
+          </p:cNvPicPr>
+          <p:nvPr/>
+        </p:nvPicPr>
+        <p:blipFill>
+          <a:blip r:embed="rId2"/>
+          <a:stretch>
+            <a:fillRect/>
+          </a:stretch>
+        </p:blipFill>
+        <p:spPr>
+          <a:xfrm>
+            <a:off x="567211" y="1607662"/>
+            <a:ext cx="11057578" cy="3642676"/>
+          </a:xfrm>
+          <a:prstGeom prst="rect">
+            <a:avLst/>
+          </a:prstGeom>
+        </p:spPr>
+      </p:pic>
     </p:spTree>
     <p:extLst>
       <p:ext uri="{BB962C8B-B14F-4D97-AF65-F5344CB8AC3E}">
@@ -44647,10 +47657,10 @@
       </p:sp>
       <p:pic>
         <p:nvPicPr>
-          <p:cNvPr id="10" name="图片 9">
-            <a:extLst>
-              <a:ext uri="{FF2B5EF4-FFF2-40B4-BE49-F238E27FC236}">
-                <a16:creationId xmlns:a16="http://schemas.microsoft.com/office/drawing/2014/main" id="{73BF3F69-1451-4E79-8664-4F8132F94BC2}"/>
+          <p:cNvPr id="12" name="图片 11">
+            <a:extLst>
+              <a:ext uri="{FF2B5EF4-FFF2-40B4-BE49-F238E27FC236}">
+                <a16:creationId xmlns:a16="http://schemas.microsoft.com/office/drawing/2014/main" id="{BDFAF47C-BF9D-4EC5-9FFF-7160DD026F44}"/>
               </a:ext>
             </a:extLst>
           </p:cNvPr>
@@ -45053,36 +48063,6 @@
           </a:p>
         </p:txBody>
       </p:sp>
-      <p:pic>
-        <p:nvPicPr>
-          <p:cNvPr id="10" name="图片 9">
-            <a:extLst>
-              <a:ext uri="{FF2B5EF4-FFF2-40B4-BE49-F238E27FC236}">
-                <a16:creationId xmlns:a16="http://schemas.microsoft.com/office/drawing/2014/main" id="{FAB6C6C7-D2E5-4D4D-8A19-6DFB3A43ADD6}"/>
-              </a:ext>
-            </a:extLst>
-          </p:cNvPr>
-          <p:cNvPicPr>
-            <a:picLocks noChangeAspect="1"/>
-          </p:cNvPicPr>
-          <p:nvPr/>
-        </p:nvPicPr>
-        <p:blipFill>
-          <a:blip r:embed="rId2"/>
-          <a:stretch>
-            <a:fillRect/>
-          </a:stretch>
-        </p:blipFill>
-        <p:spPr>
-          <a:xfrm>
-            <a:off x="593883" y="1353178"/>
-            <a:ext cx="11004234" cy="3772227"/>
-          </a:xfrm>
-          <a:prstGeom prst="rect">
-            <a:avLst/>
-          </a:prstGeom>
-        </p:spPr>
-      </p:pic>
     </p:spTree>
     <p:extLst>
       <p:ext uri="{BB962C8B-B14F-4D97-AF65-F5344CB8AC3E}">
